--- a/documents/情報処理学会TANGXIAO_20170225.pptx
+++ b/documents/情報処理学会TANGXIAO_20170225.pptx
@@ -136,9 +136,9 @@
 </file>
 
 <file path=ppt/charts/chart1.xml><?xml version="1.0" encoding="utf-8"?>
-<c:chartSpace xmlns:c="http://schemas.openxmlformats.org/drawingml/2006/chart" xmlns:a="http://schemas.openxmlformats.org/drawingml/2006/main" xmlns:r="http://schemas.openxmlformats.org/officeDocument/2006/relationships">
+<c:chartSpace xmlns:c="http://schemas.openxmlformats.org/drawingml/2006/chart" xmlns:a="http://schemas.openxmlformats.org/drawingml/2006/main" xmlns:r="http://schemas.openxmlformats.org/officeDocument/2006/relationships" xmlns:c16r2="http://schemas.microsoft.com/office/drawing/2015/06/chart">
   <c:date1904 val="0"/>
-  <c:lang val="ja-JP"/>
+  <c:lang val="zh-CN"/>
   <c:roundedCorners val="0"/>
   <mc:AlternateContent xmlns:mc="http://schemas.openxmlformats.org/markup-compatibility/2006">
     <mc:Choice xmlns:c14="http://schemas.microsoft.com/office/drawing/2007/8/2/chart" Requires="c14">
@@ -156,7 +156,7 @@
           <a:lstStyle/>
           <a:p>
             <a:pPr>
-              <a:defRPr sz="1440" b="1" i="0" u="none" strike="noStrike" kern="1200" baseline="0">
+              <a:defRPr lang="ja-JP" sz="1440" b="1" i="0" u="none" strike="noStrike" kern="1200" baseline="0">
                 <a:solidFill>
                   <a:schemeClr val="tx2"/>
                 </a:solidFill>
@@ -180,7 +180,6 @@
           </a:p>
         </c:rich>
       </c:tx>
-      <c:layout/>
       <c:overlay val="0"/>
       <c:spPr>
         <a:noFill/>
@@ -194,7 +193,7 @@
         <a:lstStyle/>
         <a:p>
           <a:pPr>
-            <a:defRPr sz="1440" b="1" i="0" u="none" strike="noStrike" kern="1200" baseline="0">
+            <a:defRPr lang="ja-JP" sz="1440" b="1" i="0" u="none" strike="noStrike" kern="1200" baseline="0">
               <a:solidFill>
                 <a:schemeClr val="tx2"/>
               </a:solidFill>
@@ -203,7 +202,7 @@
               <a:cs typeface="+mn-cs"/>
             </a:defRPr>
           </a:pPr>
-          <a:endParaRPr lang="zh-CN"/>
+          <a:endParaRPr lang="en-US"/>
         </a:p>
       </c:txPr>
     </c:title>
@@ -277,7 +276,7 @@
               <a:lstStyle/>
               <a:p>
                 <a:pPr>
-                  <a:defRPr sz="1200" b="0" i="0" u="none" strike="noStrike" kern="1200" baseline="0">
+                  <a:defRPr lang="ja-JP" sz="1200" b="0" i="0" u="none" strike="noStrike" kern="1200" baseline="0">
                     <a:solidFill>
                       <a:schemeClr val="tx2"/>
                     </a:solidFill>
@@ -286,7 +285,7 @@
                     <a:cs typeface="+mn-cs"/>
                   </a:defRPr>
                 </a:pPr>
-                <a:endParaRPr lang="zh-CN"/>
+                <a:endParaRPr lang="en-US"/>
               </a:p>
             </c:txPr>
             <c:dLblPos val="outEnd"/>
@@ -299,7 +298,6 @@
             <c:showLeaderLines val="0"/>
             <c:extLst>
               <c:ext xmlns:c15="http://schemas.microsoft.com/office/drawing/2012/chart" uri="{CE6537A1-D6FC-4f65-9D91-7224C49458BB}">
-                <c15:layout/>
                 <c15:showLeaderLines val="1"/>
                 <c15:leaderLines>
                   <c:spPr>
@@ -343,6 +341,11 @@
               </c:numCache>
             </c:numRef>
           </c:val>
+          <c:extLst>
+            <c:ext xmlns:c16="http://schemas.microsoft.com/office/drawing/2014/chart" uri="{C3380CC4-5D6E-409C-BE32-E72D297353CC}">
+              <c16:uniqueId val="{00000000-7773-4CB9-B6B8-DB616D87F2E1}"/>
+            </c:ext>
+          </c:extLst>
         </c:ser>
         <c:ser>
           <c:idx val="1"/>
@@ -407,7 +410,7 @@
               <a:lstStyle/>
               <a:p>
                 <a:pPr>
-                  <a:defRPr sz="1200" b="0" i="0" u="none" strike="noStrike" kern="1200" baseline="0">
+                  <a:defRPr lang="ja-JP" sz="1200" b="0" i="0" u="none" strike="noStrike" kern="1200" baseline="0">
                     <a:solidFill>
                       <a:schemeClr val="tx2"/>
                     </a:solidFill>
@@ -416,7 +419,7 @@
                     <a:cs typeface="+mn-cs"/>
                   </a:defRPr>
                 </a:pPr>
-                <a:endParaRPr lang="zh-CN"/>
+                <a:endParaRPr lang="en-US"/>
               </a:p>
             </c:txPr>
             <c:dLblPos val="outEnd"/>
@@ -429,7 +432,6 @@
             <c:showLeaderLines val="0"/>
             <c:extLst>
               <c:ext xmlns:c15="http://schemas.microsoft.com/office/drawing/2012/chart" uri="{CE6537A1-D6FC-4f65-9D91-7224C49458BB}">
-                <c15:layout/>
                 <c15:showLeaderLines val="1"/>
                 <c15:leaderLines>
                   <c:spPr>
@@ -473,6 +475,11 @@
               </c:numCache>
             </c:numRef>
           </c:val>
+          <c:extLst>
+            <c:ext xmlns:c16="http://schemas.microsoft.com/office/drawing/2014/chart" uri="{C3380CC4-5D6E-409C-BE32-E72D297353CC}">
+              <c16:uniqueId val="{00000001-7773-4CB9-B6B8-DB616D87F2E1}"/>
+            </c:ext>
+          </c:extLst>
         </c:ser>
         <c:dLbls>
           <c:showLegendKey val="0"/>
@@ -501,7 +508,7 @@
               <a:lstStyle/>
               <a:p>
                 <a:pPr>
-                  <a:defRPr sz="1200" b="1" i="0" u="none" strike="noStrike" kern="1200" baseline="0">
+                  <a:defRPr lang="ja-JP" sz="1200" b="1" i="0" u="none" strike="noStrike" kern="1200" baseline="0">
                     <a:solidFill>
                       <a:schemeClr val="tx2"/>
                     </a:solidFill>
@@ -547,7 +554,7 @@
             <a:lstStyle/>
             <a:p>
               <a:pPr>
-                <a:defRPr sz="1200" b="1" i="0" u="none" strike="noStrike" kern="1200" baseline="0">
+                <a:defRPr lang="ja-JP" sz="1200" b="1" i="0" u="none" strike="noStrike" kern="1200" baseline="0">
                   <a:solidFill>
                     <a:schemeClr val="tx2"/>
                   </a:solidFill>
@@ -556,7 +563,7 @@
                   <a:cs typeface="+mn-cs"/>
                 </a:defRPr>
               </a:pPr>
-              <a:endParaRPr lang="zh-CN"/>
+              <a:endParaRPr lang="en-US"/>
             </a:p>
           </c:txPr>
         </c:title>
@@ -599,7 +606,7 @@
               <a:lstStyle/>
               <a:p>
                 <a:pPr>
-                  <a:defRPr sz="1200" b="1" i="0" u="none" strike="noStrike" kern="1200" baseline="0">
+                  <a:defRPr lang="ja-JP" sz="1200" b="1" i="0" u="none" strike="noStrike" kern="1200" baseline="0">
                     <a:solidFill>
                       <a:schemeClr val="tx2"/>
                     </a:solidFill>
@@ -615,7 +622,6 @@
               </a:p>
             </c:rich>
           </c:tx>
-          <c:layout/>
           <c:overlay val="0"/>
           <c:spPr>
             <a:noFill/>
@@ -629,7 +635,7 @@
             <a:lstStyle/>
             <a:p>
               <a:pPr>
-                <a:defRPr sz="1200" b="1" i="0" u="none" strike="noStrike" kern="1200" baseline="0">
+                <a:defRPr lang="ja-JP" sz="1200" b="1" i="0" u="none" strike="noStrike" kern="1200" baseline="0">
                   <a:solidFill>
                     <a:schemeClr val="tx2"/>
                   </a:solidFill>
@@ -638,7 +644,7 @@
                   <a:cs typeface="+mn-cs"/>
                 </a:defRPr>
               </a:pPr>
-              <a:endParaRPr lang="zh-CN"/>
+              <a:endParaRPr lang="en-US"/>
             </a:p>
           </c:txPr>
         </c:title>
@@ -658,7 +664,7 @@
           <a:lstStyle/>
           <a:p>
             <a:pPr>
-              <a:defRPr sz="1200" b="0" i="0" u="none" strike="noStrike" kern="1200" baseline="0">
+              <a:defRPr lang="ja-JP" sz="1200" b="0" i="0" u="none" strike="noStrike" kern="1200" baseline="0">
                 <a:solidFill>
                   <a:schemeClr val="tx2"/>
                 </a:solidFill>
@@ -667,7 +673,7 @@
                 <a:cs typeface="+mn-cs"/>
               </a:defRPr>
             </a:pPr>
-            <a:endParaRPr lang="zh-CN"/>
+            <a:endParaRPr lang="en-US"/>
           </a:p>
         </c:txPr>
         <c:crossAx val="134727888"/>
@@ -684,7 +690,6 @@
     </c:plotArea>
     <c:legend>
       <c:legendPos val="b"/>
-      <c:layout/>
       <c:overlay val="0"/>
       <c:spPr>
         <a:noFill/>
@@ -698,7 +703,7 @@
         <a:lstStyle/>
         <a:p>
           <a:pPr>
-            <a:defRPr sz="1200" b="0" i="0" u="none" strike="noStrike" kern="1200" baseline="0">
+            <a:defRPr lang="ja-JP" sz="1200" b="0" i="0" u="none" strike="noStrike" kern="1200" baseline="0">
               <a:solidFill>
                 <a:schemeClr val="tx2"/>
               </a:solidFill>
@@ -707,7 +712,7 @@
               <a:cs typeface="+mn-cs"/>
             </a:defRPr>
           </a:pPr>
-          <a:endParaRPr lang="zh-CN"/>
+          <a:endParaRPr lang="en-US"/>
         </a:p>
       </c:txPr>
     </c:legend>
@@ -729,7 +734,7 @@
       <a:pPr>
         <a:defRPr sz="1200"/>
       </a:pPr>
-      <a:endParaRPr lang="zh-CN"/>
+      <a:endParaRPr lang="en-US"/>
     </a:p>
   </c:txPr>
   <c:externalData r:id="rId3">
@@ -1329,7 +1334,7 @@
           <a:p>
             <a:fld id="{39E6A174-C216-4117-8692-1929BBE85188}" type="datetimeFigureOut">
               <a:rPr lang="en-US" smtClean="0"/>
-              <a:t>2/26/2017</a:t>
+              <a:t>2/27/2017</a:t>
             </a:fld>
             <a:endParaRPr lang="en-US"/>
           </a:p>
@@ -1896,7 +1901,7 @@
           <a:p>
             <a:fld id="{1591D274-288C-4A37-B347-076911E6E6CA}" type="datetimeFigureOut">
               <a:rPr lang="en-US" smtClean="0"/>
-              <a:t>2/26/2017</a:t>
+              <a:t>2/27/2017</a:t>
             </a:fld>
             <a:endParaRPr lang="en-US"/>
           </a:p>
@@ -2066,7 +2071,7 @@
           <a:p>
             <a:fld id="{1591D274-288C-4A37-B347-076911E6E6CA}" type="datetimeFigureOut">
               <a:rPr lang="en-US" smtClean="0"/>
-              <a:t>2/26/2017</a:t>
+              <a:t>2/27/2017</a:t>
             </a:fld>
             <a:endParaRPr lang="en-US"/>
           </a:p>
@@ -2246,7 +2251,7 @@
           <a:p>
             <a:fld id="{1591D274-288C-4A37-B347-076911E6E6CA}" type="datetimeFigureOut">
               <a:rPr lang="en-US" smtClean="0"/>
-              <a:t>2/26/2017</a:t>
+              <a:t>2/27/2017</a:t>
             </a:fld>
             <a:endParaRPr lang="en-US"/>
           </a:p>
@@ -2416,7 +2421,7 @@
           <a:p>
             <a:fld id="{1591D274-288C-4A37-B347-076911E6E6CA}" type="datetimeFigureOut">
               <a:rPr lang="en-US" smtClean="0"/>
-              <a:t>2/26/2017</a:t>
+              <a:t>2/27/2017</a:t>
             </a:fld>
             <a:endParaRPr lang="en-US"/>
           </a:p>
@@ -2662,7 +2667,7 @@
           <a:p>
             <a:fld id="{1591D274-288C-4A37-B347-076911E6E6CA}" type="datetimeFigureOut">
               <a:rPr lang="en-US" smtClean="0"/>
-              <a:t>2/26/2017</a:t>
+              <a:t>2/27/2017</a:t>
             </a:fld>
             <a:endParaRPr lang="en-US"/>
           </a:p>
@@ -2894,7 +2899,7 @@
           <a:p>
             <a:fld id="{1591D274-288C-4A37-B347-076911E6E6CA}" type="datetimeFigureOut">
               <a:rPr lang="en-US" smtClean="0"/>
-              <a:t>2/26/2017</a:t>
+              <a:t>2/27/2017</a:t>
             </a:fld>
             <a:endParaRPr lang="en-US"/>
           </a:p>
@@ -3261,7 +3266,7 @@
           <a:p>
             <a:fld id="{1591D274-288C-4A37-B347-076911E6E6CA}" type="datetimeFigureOut">
               <a:rPr lang="en-US" smtClean="0"/>
-              <a:t>2/26/2017</a:t>
+              <a:t>2/27/2017</a:t>
             </a:fld>
             <a:endParaRPr lang="en-US"/>
           </a:p>
@@ -3379,7 +3384,7 @@
           <a:p>
             <a:fld id="{1591D274-288C-4A37-B347-076911E6E6CA}" type="datetimeFigureOut">
               <a:rPr lang="en-US" smtClean="0"/>
-              <a:t>2/26/2017</a:t>
+              <a:t>2/27/2017</a:t>
             </a:fld>
             <a:endParaRPr lang="en-US"/>
           </a:p>
@@ -3474,7 +3479,7 @@
           <a:p>
             <a:fld id="{1591D274-288C-4A37-B347-076911E6E6CA}" type="datetimeFigureOut">
               <a:rPr lang="en-US" smtClean="0"/>
-              <a:t>2/26/2017</a:t>
+              <a:t>2/27/2017</a:t>
             </a:fld>
             <a:endParaRPr lang="en-US"/>
           </a:p>
@@ -3751,7 +3756,7 @@
           <a:p>
             <a:fld id="{1591D274-288C-4A37-B347-076911E6E6CA}" type="datetimeFigureOut">
               <a:rPr lang="en-US" smtClean="0"/>
-              <a:t>2/26/2017</a:t>
+              <a:t>2/27/2017</a:t>
             </a:fld>
             <a:endParaRPr lang="en-US"/>
           </a:p>
@@ -4004,7 +4009,7 @@
           <a:p>
             <a:fld id="{1591D274-288C-4A37-B347-076911E6E6CA}" type="datetimeFigureOut">
               <a:rPr lang="en-US" smtClean="0"/>
-              <a:t>2/26/2017</a:t>
+              <a:t>2/27/2017</a:t>
             </a:fld>
             <a:endParaRPr lang="en-US"/>
           </a:p>
@@ -4217,7 +4222,7 @@
           <a:p>
             <a:fld id="{1591D274-288C-4A37-B347-076911E6E6CA}" type="datetimeFigureOut">
               <a:rPr lang="en-US" smtClean="0"/>
-              <a:t>2/26/2017</a:t>
+              <a:t>2/27/2017</a:t>
             </a:fld>
             <a:endParaRPr lang="en-US"/>
           </a:p>
@@ -4648,10 +4653,6 @@
               <a:rPr lang="ja-JP" altLang="en-US" sz="3600" dirty="0"/>
               <a:t>リアルタイムグリッド環境における</a:t>
             </a:r>
-            <a:r>
-              <a:rPr lang="en-US" altLang="ja-JP" sz="3600" dirty="0"/>
-              <a:t/>
-            </a:r>
             <a:br>
               <a:rPr lang="en-US" altLang="ja-JP" sz="3600" dirty="0"/>
             </a:br>
@@ -4694,17 +4695,13 @@
           <a:p>
             <a:r>
               <a:rPr lang="ja-JP" altLang="en-US" dirty="0"/>
-              <a:t>知能機能システム</a:t>
-            </a:r>
-            <a:r>
-              <a:rPr lang="ja-JP" altLang="en-US" dirty="0" smtClean="0"/>
-              <a:t>専攻</a:t>
-            </a:r>
-            <a:endParaRPr lang="en-US" altLang="ja-JP" dirty="0" smtClean="0"/>
-          </a:p>
-          <a:p>
-            <a:r>
-              <a:rPr lang="ja-JP" altLang="en-US" dirty="0" smtClean="0"/>
+              <a:t>知能機能システム専攻</a:t>
+            </a:r>
+            <a:endParaRPr lang="en-US" altLang="ja-JP" dirty="0"/>
+          </a:p>
+          <a:p>
+            <a:r>
+              <a:rPr lang="ja-JP" altLang="en-US" dirty="0"/>
               <a:t>計算知能・マルチメディア研究室</a:t>
             </a:r>
             <a:endParaRPr lang="en-US" altLang="ja-JP" dirty="0"/>
@@ -4743,13 +4740,6 @@
   <p:clrMapOvr>
     <a:masterClrMapping/>
   </p:clrMapOvr>
-  <p:timing>
-    <p:tnLst>
-      <p:par>
-        <p:cTn id="1" dur="indefinite" restart="never" nodeType="tmRoot"/>
-      </p:par>
-    </p:tnLst>
-  </p:timing>
 </p:sld>
 </file>
 
@@ -4830,22 +4820,22 @@
           <a:lstStyle/>
           <a:p>
             <a:r>
-              <a:rPr lang="ja-JP" altLang="en-US" b="1" dirty="0" smtClean="0"/>
+              <a:rPr lang="ja-JP" altLang="en-US" b="1" dirty="0"/>
               <a:t>問題点</a:t>
             </a:r>
             <a:r>
-              <a:rPr lang="ja-JP" altLang="en-US" dirty="0" smtClean="0"/>
+              <a:rPr lang="ja-JP" altLang="en-US" dirty="0"/>
               <a:t>：</a:t>
             </a:r>
             <a:r>
-              <a:rPr lang="en-US" altLang="ja-JP" dirty="0" smtClean="0"/>
+              <a:rPr lang="en-US" altLang="ja-JP" dirty="0"/>
               <a:t>1. </a:t>
             </a:r>
             <a:r>
-              <a:rPr lang="ja-JP" altLang="en-US" dirty="0" smtClean="0"/>
+              <a:rPr lang="ja-JP" altLang="en-US" dirty="0"/>
               <a:t>計算量が多い</a:t>
             </a:r>
-            <a:endParaRPr lang="en-US" altLang="ja-JP" dirty="0" smtClean="0"/>
+            <a:endParaRPr lang="en-US" altLang="ja-JP" dirty="0"/>
           </a:p>
         </p:txBody>
       </p:sp>
@@ -5163,8 +5153,8 @@
           </p:txBody>
         </p:sp>
       </p:grpSp>
-      <mc:AlternateContent xmlns:mc="http://schemas.openxmlformats.org/markup-compatibility/2006">
-        <mc:Choice xmlns:a14="http://schemas.microsoft.com/office/drawing/2010/main" Requires="a14">
+      <mc:AlternateContent xmlns:mc="http://schemas.openxmlformats.org/markup-compatibility/2006" xmlns:a14="http://schemas.microsoft.com/office/drawing/2010/main">
+        <mc:Choice Requires="a14">
           <p:sp>
             <p:nvSpPr>
               <p:cNvPr id="44" name="テキスト ボックス 43"/>
@@ -5187,7 +5177,6 @@
               </a:bodyPr>
               <a:lstStyle/>
               <a:p>
-                <a:pPr/>
                 <a14:m>
                   <m:oMath xmlns:m="http://schemas.openxmlformats.org/officeDocument/2006/math">
                     <m:r>
@@ -5225,7 +5214,7 @@
                   </m:oMath>
                 </a14:m>
                 <a:r>
-                  <a:rPr lang="en-US" altLang="ja-JP" dirty="0" smtClean="0"/>
+                  <a:rPr lang="en-US" altLang="ja-JP" dirty="0"/>
                   <a:t> :  </a:t>
                 </a:r>
                 <a14:m>
@@ -5242,18 +5231,13 @@
                 </a14:m>
                 <a:r>
                   <a:rPr lang="ja-JP" altLang="en-US" dirty="0"/>
-                  <a:t>は地図上の移動可能</a:t>
+                  <a:t>は地図上の移動可能タイル数</a:t>
                 </a:r>
-                <a:r>
-                  <a:rPr lang="ja-JP" altLang="en-US" dirty="0"/>
-                  <a:t>タイル数</a:t>
-                </a:r>
-                <a:endParaRPr lang="ja-JP" altLang="en-US" dirty="0"/>
               </a:p>
             </p:txBody>
           </p:sp>
         </mc:Choice>
-        <mc:Fallback>
+        <mc:Fallback xmlns="">
           <p:sp>
             <p:nvSpPr>
               <p:cNvPr id="44" name="テキスト ボックス 43"/>
@@ -5314,11 +5298,11 @@
           <a:lstStyle/>
           <a:p>
             <a:r>
-              <a:rPr lang="en-US" altLang="ja-JP" dirty="0" smtClean="0"/>
+              <a:rPr lang="en-US" altLang="ja-JP" dirty="0"/>
               <a:t>2. Tie-Breaking</a:t>
             </a:r>
             <a:r>
-              <a:rPr lang="ja-JP" altLang="en-US" dirty="0" smtClean="0"/>
+              <a:rPr lang="ja-JP" altLang="en-US" dirty="0"/>
               <a:t>問題</a:t>
             </a:r>
             <a:endParaRPr lang="en-US" altLang="ja-JP" dirty="0"/>
@@ -5370,47 +5354,42 @@
           </a:bodyPr>
           <a:lstStyle/>
           <a:p>
-            <a:pPr/>
-            <a:r>
-              <a:rPr lang="en-US" altLang="ja-JP" dirty="0" smtClean="0"/>
+            <a:r>
+              <a:rPr lang="en-US" altLang="ja-JP" dirty="0"/>
               <a:t>P2</a:t>
             </a:r>
             <a:r>
-              <a:rPr lang="ja-JP" altLang="en-US" dirty="0" smtClean="0"/>
+              <a:rPr lang="ja-JP" altLang="en-US" dirty="0"/>
               <a:t>に対する各方向の</a:t>
             </a:r>
-            <a:endParaRPr lang="en-US" altLang="ja-JP" dirty="0" smtClean="0"/>
-          </a:p>
-          <a:p>
-            <a:pPr/>
-            <a:r>
-              <a:rPr lang="en-US" altLang="ja-JP" dirty="0" smtClean="0"/>
+            <a:endParaRPr lang="en-US" altLang="ja-JP" dirty="0"/>
+          </a:p>
+          <a:p>
+            <a:r>
+              <a:rPr lang="en-US" altLang="ja-JP" dirty="0"/>
               <a:t>Pursuer-cover-set</a:t>
             </a:r>
             <a:r>
-              <a:rPr lang="ja-JP" altLang="en-US" dirty="0" smtClean="0"/>
+              <a:rPr lang="ja-JP" altLang="en-US" dirty="0"/>
               <a:t>の値が一緒</a:t>
             </a:r>
-            <a:endParaRPr lang="en-US" altLang="ja-JP" dirty="0" smtClean="0"/>
-          </a:p>
-          <a:p>
-            <a:pPr/>
-            <a:r>
-              <a:rPr lang="en-US" altLang="ja-JP" dirty="0" smtClean="0"/>
+            <a:endParaRPr lang="en-US" altLang="ja-JP" dirty="0"/>
+          </a:p>
+          <a:p>
+            <a:r>
+              <a:rPr lang="en-US" altLang="ja-JP" dirty="0"/>
               <a:t>(45)</a:t>
             </a:r>
           </a:p>
           <a:p>
-            <a:pPr/>
-            <a:r>
-              <a:rPr lang="en-US" altLang="ja-JP" dirty="0" smtClean="0"/>
+            <a:r>
+              <a:rPr lang="en-US" altLang="ja-JP" dirty="0"/>
               <a:t>P2</a:t>
             </a:r>
             <a:r>
-              <a:rPr lang="ja-JP" altLang="en-US" dirty="0" smtClean="0"/>
+              <a:rPr lang="ja-JP" altLang="en-US" dirty="0"/>
               <a:t>は引き分け状態になる</a:t>
             </a:r>
-            <a:endParaRPr lang="ja-JP" altLang="en-US" dirty="0"/>
           </a:p>
         </p:txBody>
       </p:sp>
@@ -5424,13 +5403,6 @@
   <p:clrMapOvr>
     <a:masterClrMapping/>
   </p:clrMapOvr>
-  <p:timing>
-    <p:tnLst>
-      <p:par>
-        <p:cTn id="1" dur="indefinite" restart="never" nodeType="tmRoot"/>
-      </p:par>
-    </p:tnLst>
-  </p:timing>
 </p:sld>
 </file>
 
@@ -5470,11 +5442,7 @@
           <a:p>
             <a:r>
               <a:rPr lang="ja-JP" altLang="en-US" dirty="0"/>
-              <a:t>提案</a:t>
-            </a:r>
-            <a:r>
-              <a:rPr lang="ja-JP" altLang="en-US" dirty="0" smtClean="0"/>
-              <a:t>手法</a:t>
+              <a:t>提案手法</a:t>
             </a:r>
             <a:endParaRPr lang="en-US" dirty="0"/>
           </a:p>
@@ -5698,21 +5666,8 @@
                   <a:ea typeface="ＭＳ 明朝" panose="02020609040205080304" pitchFamily="17" charset="-128"/>
                   <a:cs typeface="Times New Roman" panose="02020603050405020304" pitchFamily="18" charset="0"/>
                 </a:rPr>
-                <a:t>障害物</a:t>
+                <a:t>障害物のタイル</a:t>
               </a:r>
-              <a:r>
-                <a:rPr lang="ja-JP" altLang="en-US" sz="1400" dirty="0" smtClean="0">
-                  <a:latin typeface="Times New Roman" panose="02020603050405020304" pitchFamily="18" charset="0"/>
-                  <a:ea typeface="ＭＳ 明朝" panose="02020609040205080304" pitchFamily="17" charset="-128"/>
-                  <a:cs typeface="Times New Roman" panose="02020603050405020304" pitchFamily="18" charset="0"/>
-                </a:rPr>
-                <a:t>のタイル</a:t>
-              </a:r>
-              <a:endParaRPr lang="ja-JP" altLang="en-US" sz="1400" dirty="0">
-                <a:latin typeface="Times New Roman" panose="02020603050405020304" pitchFamily="18" charset="0"/>
-                <a:ea typeface="ＭＳ 明朝" panose="02020609040205080304" pitchFamily="17" charset="-128"/>
-                <a:cs typeface="Times New Roman" panose="02020603050405020304" pitchFamily="18" charset="0"/>
-              </a:endParaRPr>
             </a:p>
           </p:txBody>
         </p:sp>
@@ -5739,7 +5694,7 @@
             <a:lstStyle/>
             <a:p>
               <a:r>
-                <a:rPr lang="en-US" altLang="ja-JP" sz="1400" dirty="0" smtClean="0">
+                <a:rPr lang="en-US" altLang="ja-JP" sz="1400" dirty="0">
                   <a:latin typeface="Times New Roman" panose="02020603050405020304" pitchFamily="18" charset="0"/>
                   <a:ea typeface="ＭＳ 明朝" panose="02020609040205080304" pitchFamily="17" charset="-128"/>
                   <a:cs typeface="Times New Roman" panose="02020603050405020304" pitchFamily="18" charset="0"/>
@@ -5747,18 +5702,13 @@
                 <a:t>Pursuer</a:t>
               </a:r>
               <a:r>
-                <a:rPr lang="ja-JP" altLang="en-US" sz="1400" dirty="0" smtClean="0">
+                <a:rPr lang="ja-JP" altLang="en-US" sz="1400" dirty="0">
                   <a:latin typeface="Times New Roman" panose="02020603050405020304" pitchFamily="18" charset="0"/>
                   <a:ea typeface="ＭＳ 明朝" panose="02020609040205080304" pitchFamily="17" charset="-128"/>
                   <a:cs typeface="Times New Roman" panose="02020603050405020304" pitchFamily="18" charset="0"/>
                 </a:rPr>
                 <a:t>のタイル</a:t>
               </a:r>
-              <a:endParaRPr lang="ja-JP" altLang="en-US" sz="1400" dirty="0">
-                <a:latin typeface="Times New Roman" panose="02020603050405020304" pitchFamily="18" charset="0"/>
-                <a:ea typeface="ＭＳ 明朝" panose="02020609040205080304" pitchFamily="17" charset="-128"/>
-                <a:cs typeface="Times New Roman" panose="02020603050405020304" pitchFamily="18" charset="0"/>
-              </a:endParaRPr>
             </a:p>
           </p:txBody>
         </p:sp>
@@ -5785,7 +5735,7 @@
             <a:lstStyle/>
             <a:p>
               <a:r>
-                <a:rPr lang="en-US" altLang="ja-JP" sz="1400" dirty="0" smtClean="0">
+                <a:rPr lang="en-US" altLang="ja-JP" sz="1400" dirty="0">
                   <a:latin typeface="Times New Roman" panose="02020603050405020304" pitchFamily="18" charset="0"/>
                   <a:ea typeface="ＭＳ 明朝" panose="02020609040205080304" pitchFamily="17" charset="-128"/>
                   <a:cs typeface="Times New Roman" panose="02020603050405020304" pitchFamily="18" charset="0"/>
@@ -5793,18 +5743,13 @@
                 <a:t>Pursuer</a:t>
               </a:r>
               <a:r>
-                <a:rPr lang="ja-JP" altLang="en-US" sz="1400" dirty="0" smtClean="0">
+                <a:rPr lang="ja-JP" altLang="en-US" sz="1400" dirty="0">
                   <a:latin typeface="Times New Roman" panose="02020603050405020304" pitchFamily="18" charset="0"/>
                   <a:ea typeface="ＭＳ 明朝" panose="02020609040205080304" pitchFamily="17" charset="-128"/>
                   <a:cs typeface="Times New Roman" panose="02020603050405020304" pitchFamily="18" charset="0"/>
                 </a:rPr>
                 <a:t>到達可能領域のタイル</a:t>
               </a:r>
-              <a:endParaRPr lang="ja-JP" altLang="en-US" sz="1400" dirty="0">
-                <a:latin typeface="Times New Roman" panose="02020603050405020304" pitchFamily="18" charset="0"/>
-                <a:ea typeface="ＭＳ 明朝" panose="02020609040205080304" pitchFamily="17" charset="-128"/>
-                <a:cs typeface="Times New Roman" panose="02020603050405020304" pitchFamily="18" charset="0"/>
-              </a:endParaRPr>
             </a:p>
           </p:txBody>
         </p:sp>
@@ -5831,7 +5776,7 @@
             <a:lstStyle/>
             <a:p>
               <a:r>
-                <a:rPr lang="en-US" altLang="ja-JP" sz="1400" dirty="0" smtClean="0">
+                <a:rPr lang="en-US" altLang="ja-JP" sz="1400" dirty="0">
                   <a:latin typeface="Times New Roman" panose="02020603050405020304" pitchFamily="18" charset="0"/>
                   <a:ea typeface="ＭＳ 明朝" panose="02020609040205080304" pitchFamily="17" charset="-128"/>
                   <a:cs typeface="Times New Roman" panose="02020603050405020304" pitchFamily="18" charset="0"/>
@@ -5839,18 +5784,13 @@
                 <a:t>Target</a:t>
               </a:r>
               <a:r>
-                <a:rPr lang="ja-JP" altLang="en-US" sz="1400" dirty="0" smtClean="0">
+                <a:rPr lang="ja-JP" altLang="en-US" sz="1400" dirty="0">
                   <a:latin typeface="Times New Roman" panose="02020603050405020304" pitchFamily="18" charset="0"/>
                   <a:ea typeface="ＭＳ 明朝" panose="02020609040205080304" pitchFamily="17" charset="-128"/>
                   <a:cs typeface="Times New Roman" panose="02020603050405020304" pitchFamily="18" charset="0"/>
                 </a:rPr>
                 <a:t>のタイル</a:t>
               </a:r>
-              <a:endParaRPr lang="ja-JP" altLang="en-US" sz="1400" dirty="0">
-                <a:latin typeface="Times New Roman" panose="02020603050405020304" pitchFamily="18" charset="0"/>
-                <a:ea typeface="ＭＳ 明朝" panose="02020609040205080304" pitchFamily="17" charset="-128"/>
-                <a:cs typeface="Times New Roman" panose="02020603050405020304" pitchFamily="18" charset="0"/>
-              </a:endParaRPr>
             </a:p>
           </p:txBody>
         </p:sp>
@@ -5877,7 +5817,7 @@
             <a:lstStyle/>
             <a:p>
               <a:r>
-                <a:rPr lang="en-US" altLang="ja-JP" sz="1400" dirty="0" smtClean="0">
+                <a:rPr lang="en-US" altLang="ja-JP" sz="1400" dirty="0">
                   <a:latin typeface="Times New Roman" panose="02020603050405020304" pitchFamily="18" charset="0"/>
                   <a:ea typeface="ＭＳ 明朝" panose="02020609040205080304" pitchFamily="17" charset="-128"/>
                   <a:cs typeface="Times New Roman" panose="02020603050405020304" pitchFamily="18" charset="0"/>
@@ -5890,21 +5830,8 @@
                   <a:ea typeface="ＭＳ 明朝" panose="02020609040205080304" pitchFamily="17" charset="-128"/>
                   <a:cs typeface="Times New Roman" panose="02020603050405020304" pitchFamily="18" charset="0"/>
                 </a:rPr>
-                <a:t>到達</a:t>
+                <a:t>到達可能領域のタイル</a:t>
               </a:r>
-              <a:r>
-                <a:rPr lang="ja-JP" altLang="en-US" sz="1400" dirty="0" smtClean="0">
-                  <a:latin typeface="Times New Roman" panose="02020603050405020304" pitchFamily="18" charset="0"/>
-                  <a:ea typeface="ＭＳ 明朝" panose="02020609040205080304" pitchFamily="17" charset="-128"/>
-                  <a:cs typeface="Times New Roman" panose="02020603050405020304" pitchFamily="18" charset="0"/>
-                </a:rPr>
-                <a:t>可能領域のタイル</a:t>
-              </a:r>
-              <a:endParaRPr lang="ja-JP" altLang="en-US" sz="1400" dirty="0">
-                <a:latin typeface="Times New Roman" panose="02020603050405020304" pitchFamily="18" charset="0"/>
-                <a:ea typeface="ＭＳ 明朝" panose="02020609040205080304" pitchFamily="17" charset="-128"/>
-                <a:cs typeface="Times New Roman" panose="02020603050405020304" pitchFamily="18" charset="0"/>
-              </a:endParaRPr>
             </a:p>
           </p:txBody>
         </p:sp>
@@ -5932,22 +5859,22 @@
           <a:lstStyle/>
           <a:p>
             <a:r>
-              <a:rPr lang="ja-JP" altLang="en-US" b="1" dirty="0" smtClean="0"/>
+              <a:rPr lang="ja-JP" altLang="en-US" b="1" dirty="0"/>
               <a:t>問題点</a:t>
             </a:r>
             <a:r>
-              <a:rPr lang="ja-JP" altLang="en-US" dirty="0" smtClean="0"/>
+              <a:rPr lang="ja-JP" altLang="en-US" dirty="0"/>
               <a:t>：</a:t>
             </a:r>
             <a:r>
-              <a:rPr lang="en-US" altLang="ja-JP" dirty="0" smtClean="0"/>
+              <a:rPr lang="en-US" altLang="ja-JP" dirty="0"/>
               <a:t>1. </a:t>
             </a:r>
             <a:r>
-              <a:rPr lang="ja-JP" altLang="en-US" dirty="0" smtClean="0"/>
+              <a:rPr lang="ja-JP" altLang="en-US" dirty="0"/>
               <a:t>計算量が多い</a:t>
             </a:r>
-            <a:endParaRPr lang="en-US" altLang="ja-JP" dirty="0" smtClean="0"/>
+            <a:endParaRPr lang="en-US" altLang="ja-JP" dirty="0"/>
           </a:p>
         </p:txBody>
       </p:sp>
@@ -6096,12 +6023,8 @@
             <a:p>
               <a:pPr algn="ctr"/>
               <a:r>
-                <a:rPr kumimoji="1" lang="en-US" altLang="ja-JP" b="1" dirty="0" smtClean="0"/>
-                <a:t>Priority </a:t>
-              </a:r>
-              <a:r>
-                <a:rPr kumimoji="1" lang="en-US" altLang="ja-JP" b="1" dirty="0" smtClean="0"/>
-                <a:t>Queue</a:t>
+                <a:rPr kumimoji="1" lang="en-US" altLang="ja-JP" b="1" dirty="0"/>
+                <a:t>Priority Queue</a:t>
               </a:r>
               <a:endParaRPr kumimoji="1" lang="ja-JP" altLang="en-US" b="1" dirty="0"/>
             </a:p>
@@ -6130,18 +6053,18 @@
             <a:lstStyle/>
             <a:p>
               <a:r>
-                <a:rPr lang="ja-JP" altLang="en-US" dirty="0" smtClean="0"/>
+                <a:rPr lang="ja-JP" altLang="en-US" dirty="0"/>
                 <a:t>優先キューにより</a:t>
               </a:r>
-              <a:endParaRPr lang="en-US" altLang="ja-JP" dirty="0" smtClean="0"/>
+              <a:endParaRPr lang="en-US" altLang="ja-JP" dirty="0"/>
             </a:p>
             <a:p>
               <a:r>
-                <a:rPr lang="en-US" altLang="ja-JP" dirty="0" smtClean="0"/>
+                <a:rPr lang="en-US" altLang="ja-JP" dirty="0"/>
                 <a:t>Pursuer-cover-set</a:t>
               </a:r>
               <a:r>
-                <a:rPr lang="ja-JP" altLang="en-US" dirty="0" smtClean="0"/>
+                <a:rPr lang="ja-JP" altLang="en-US" dirty="0"/>
                 <a:t>の最大値を取る</a:t>
               </a:r>
               <a:endParaRPr lang="zh-CN" altLang="en-US" dirty="0"/>
@@ -6172,14 +6095,10 @@
             <a:p>
               <a:r>
                 <a:rPr lang="en-US" altLang="ja-JP" b="1" dirty="0"/>
-                <a:t>Cover </a:t>
+                <a:t>Cover Heuristic</a:t>
               </a:r>
               <a:r>
-                <a:rPr lang="en-US" altLang="ja-JP" b="1" dirty="0" smtClean="0"/>
-                <a:t>Heuristic</a:t>
-              </a:r>
-              <a:r>
-                <a:rPr lang="ja-JP" altLang="en-US" b="1" dirty="0" smtClean="0"/>
+                <a:rPr lang="ja-JP" altLang="en-US" b="1" dirty="0"/>
                 <a:t>法</a:t>
               </a:r>
               <a:endParaRPr lang="zh-CN" altLang="en-US" b="1" dirty="0"/>
@@ -6289,12 +6208,8 @@
             <a:p>
               <a:pPr algn="ctr"/>
               <a:r>
-                <a:rPr kumimoji="1" lang="en-US" altLang="ja-JP" b="1" dirty="0" smtClean="0"/>
-                <a:t>Pursuer Priority </a:t>
-              </a:r>
-              <a:r>
-                <a:rPr kumimoji="1" lang="en-US" altLang="ja-JP" b="1" dirty="0" smtClean="0"/>
-                <a:t>Queue</a:t>
+                <a:rPr kumimoji="1" lang="en-US" altLang="ja-JP" b="1" dirty="0"/>
+                <a:t>Pursuer Priority Queue</a:t>
               </a:r>
               <a:endParaRPr kumimoji="1" lang="ja-JP" altLang="en-US" b="1" dirty="0"/>
             </a:p>
@@ -6340,12 +6255,8 @@
             <a:p>
               <a:pPr algn="ctr"/>
               <a:r>
-                <a:rPr kumimoji="1" lang="en-US" altLang="ja-JP" b="1" dirty="0" smtClean="0"/>
-                <a:t>Target Priority </a:t>
-              </a:r>
-              <a:r>
-                <a:rPr kumimoji="1" lang="en-US" altLang="ja-JP" b="1" dirty="0" smtClean="0"/>
-                <a:t>Queue</a:t>
+                <a:rPr kumimoji="1" lang="en-US" altLang="ja-JP" b="1" dirty="0"/>
+                <a:t>Target Priority Queue</a:t>
               </a:r>
               <a:endParaRPr kumimoji="1" lang="ja-JP" altLang="en-US" b="1" dirty="0"/>
             </a:p>
@@ -6374,15 +6285,15 @@
             <a:lstStyle/>
             <a:p>
               <a:r>
-                <a:rPr lang="ja-JP" altLang="en-US" dirty="0" smtClean="0"/>
+                <a:rPr lang="ja-JP" altLang="en-US" dirty="0"/>
                 <a:t>二つの優先キューにより</a:t>
               </a:r>
               <a:r>
-                <a:rPr lang="en-US" altLang="ja-JP" dirty="0" smtClean="0"/>
+                <a:rPr lang="en-US" altLang="ja-JP" dirty="0"/>
                 <a:t>Target-cover-set</a:t>
               </a:r>
               <a:r>
-                <a:rPr lang="ja-JP" altLang="en-US" dirty="0" smtClean="0"/>
+                <a:rPr lang="ja-JP" altLang="en-US" dirty="0"/>
                 <a:t>の最小値を取る</a:t>
               </a:r>
               <a:endParaRPr lang="zh-CN" altLang="en-US" dirty="0"/>
@@ -6412,16 +6323,12 @@
             <a:lstStyle/>
             <a:p>
               <a:r>
-                <a:rPr lang="ja-JP" altLang="en-US" b="1" dirty="0" smtClean="0"/>
+                <a:rPr lang="ja-JP" altLang="en-US" b="1" dirty="0"/>
                 <a:t>高速</a:t>
               </a:r>
               <a:r>
-                <a:rPr lang="en-US" altLang="ja-JP" b="1" dirty="0" smtClean="0"/>
-                <a:t>Cover </a:t>
-              </a:r>
-              <a:r>
                 <a:rPr lang="en-US" altLang="ja-JP" b="1" dirty="0"/>
-                <a:t>Heuristic</a:t>
+                <a:t>Cover Heuristic</a:t>
               </a:r>
               <a:r>
                 <a:rPr lang="ja-JP" altLang="en-US" b="1" dirty="0"/>
@@ -6897,21 +6804,8 @@
                   <a:ea typeface="ＭＳ 明朝" panose="02020609040205080304" pitchFamily="17" charset="-128"/>
                   <a:cs typeface="Times New Roman" panose="02020603050405020304" pitchFamily="18" charset="0"/>
                 </a:rPr>
-                <a:t>障害物</a:t>
+                <a:t>障害物のタイル</a:t>
               </a:r>
-              <a:r>
-                <a:rPr lang="ja-JP" altLang="en-US" sz="1400" dirty="0" smtClean="0">
-                  <a:latin typeface="Times New Roman" panose="02020603050405020304" pitchFamily="18" charset="0"/>
-                  <a:ea typeface="ＭＳ 明朝" panose="02020609040205080304" pitchFamily="17" charset="-128"/>
-                  <a:cs typeface="Times New Roman" panose="02020603050405020304" pitchFamily="18" charset="0"/>
-                </a:rPr>
-                <a:t>のタイル</a:t>
-              </a:r>
-              <a:endParaRPr lang="ja-JP" altLang="en-US" sz="1400" dirty="0">
-                <a:latin typeface="Times New Roman" panose="02020603050405020304" pitchFamily="18" charset="0"/>
-                <a:ea typeface="ＭＳ 明朝" panose="02020609040205080304" pitchFamily="17" charset="-128"/>
-                <a:cs typeface="Times New Roman" panose="02020603050405020304" pitchFamily="18" charset="0"/>
-              </a:endParaRPr>
             </a:p>
           </p:txBody>
         </p:sp>
@@ -6938,7 +6832,7 @@
             <a:lstStyle/>
             <a:p>
               <a:r>
-                <a:rPr lang="en-US" altLang="ja-JP" sz="1400" dirty="0" smtClean="0">
+                <a:rPr lang="en-US" altLang="ja-JP" sz="1400" dirty="0">
                   <a:latin typeface="Times New Roman" panose="02020603050405020304" pitchFamily="18" charset="0"/>
                   <a:ea typeface="ＭＳ 明朝" panose="02020609040205080304" pitchFamily="17" charset="-128"/>
                   <a:cs typeface="Times New Roman" panose="02020603050405020304" pitchFamily="18" charset="0"/>
@@ -6946,18 +6840,13 @@
                 <a:t>Pursuer</a:t>
               </a:r>
               <a:r>
-                <a:rPr lang="ja-JP" altLang="en-US" sz="1400" dirty="0" smtClean="0">
+                <a:rPr lang="ja-JP" altLang="en-US" sz="1400" dirty="0">
                   <a:latin typeface="Times New Roman" panose="02020603050405020304" pitchFamily="18" charset="0"/>
                   <a:ea typeface="ＭＳ 明朝" panose="02020609040205080304" pitchFamily="17" charset="-128"/>
                   <a:cs typeface="Times New Roman" panose="02020603050405020304" pitchFamily="18" charset="0"/>
                 </a:rPr>
                 <a:t>のタイル</a:t>
               </a:r>
-              <a:endParaRPr lang="ja-JP" altLang="en-US" sz="1400" dirty="0">
-                <a:latin typeface="Times New Roman" panose="02020603050405020304" pitchFamily="18" charset="0"/>
-                <a:ea typeface="ＭＳ 明朝" panose="02020609040205080304" pitchFamily="17" charset="-128"/>
-                <a:cs typeface="Times New Roman" panose="02020603050405020304" pitchFamily="18" charset="0"/>
-              </a:endParaRPr>
             </a:p>
           </p:txBody>
         </p:sp>
@@ -6984,7 +6873,7 @@
             <a:lstStyle/>
             <a:p>
               <a:r>
-                <a:rPr lang="en-US" altLang="ja-JP" sz="1400" dirty="0" smtClean="0">
+                <a:rPr lang="en-US" altLang="ja-JP" sz="1400" dirty="0">
                   <a:latin typeface="Times New Roman" panose="02020603050405020304" pitchFamily="18" charset="0"/>
                   <a:ea typeface="ＭＳ 明朝" panose="02020609040205080304" pitchFamily="17" charset="-128"/>
                   <a:cs typeface="Times New Roman" panose="02020603050405020304" pitchFamily="18" charset="0"/>
@@ -6992,18 +6881,13 @@
                 <a:t>Pursuer</a:t>
               </a:r>
               <a:r>
-                <a:rPr lang="ja-JP" altLang="en-US" sz="1400" dirty="0" smtClean="0">
+                <a:rPr lang="ja-JP" altLang="en-US" sz="1400" dirty="0">
                   <a:latin typeface="Times New Roman" panose="02020603050405020304" pitchFamily="18" charset="0"/>
                   <a:ea typeface="ＭＳ 明朝" panose="02020609040205080304" pitchFamily="17" charset="-128"/>
                   <a:cs typeface="Times New Roman" panose="02020603050405020304" pitchFamily="18" charset="0"/>
                 </a:rPr>
                 <a:t>到達可能領域のタイル</a:t>
               </a:r>
-              <a:endParaRPr lang="ja-JP" altLang="en-US" sz="1400" dirty="0">
-                <a:latin typeface="Times New Roman" panose="02020603050405020304" pitchFamily="18" charset="0"/>
-                <a:ea typeface="ＭＳ 明朝" panose="02020609040205080304" pitchFamily="17" charset="-128"/>
-                <a:cs typeface="Times New Roman" panose="02020603050405020304" pitchFamily="18" charset="0"/>
-              </a:endParaRPr>
             </a:p>
           </p:txBody>
         </p:sp>
@@ -7030,7 +6914,7 @@
             <a:lstStyle/>
             <a:p>
               <a:r>
-                <a:rPr lang="en-US" altLang="ja-JP" sz="1400" dirty="0" smtClean="0">
+                <a:rPr lang="en-US" altLang="ja-JP" sz="1400" dirty="0">
                   <a:latin typeface="Times New Roman" panose="02020603050405020304" pitchFamily="18" charset="0"/>
                   <a:ea typeface="ＭＳ 明朝" panose="02020609040205080304" pitchFamily="17" charset="-128"/>
                   <a:cs typeface="Times New Roman" panose="02020603050405020304" pitchFamily="18" charset="0"/>
@@ -7038,18 +6922,13 @@
                 <a:t>Target</a:t>
               </a:r>
               <a:r>
-                <a:rPr lang="ja-JP" altLang="en-US" sz="1400" dirty="0" smtClean="0">
+                <a:rPr lang="ja-JP" altLang="en-US" sz="1400" dirty="0">
                   <a:latin typeface="Times New Roman" panose="02020603050405020304" pitchFamily="18" charset="0"/>
                   <a:ea typeface="ＭＳ 明朝" panose="02020609040205080304" pitchFamily="17" charset="-128"/>
                   <a:cs typeface="Times New Roman" panose="02020603050405020304" pitchFamily="18" charset="0"/>
                 </a:rPr>
                 <a:t>のタイル</a:t>
               </a:r>
-              <a:endParaRPr lang="ja-JP" altLang="en-US" sz="1400" dirty="0">
-                <a:latin typeface="Times New Roman" panose="02020603050405020304" pitchFamily="18" charset="0"/>
-                <a:ea typeface="ＭＳ 明朝" panose="02020609040205080304" pitchFamily="17" charset="-128"/>
-                <a:cs typeface="Times New Roman" panose="02020603050405020304" pitchFamily="18" charset="0"/>
-              </a:endParaRPr>
             </a:p>
           </p:txBody>
         </p:sp>
@@ -7076,7 +6955,7 @@
             <a:lstStyle/>
             <a:p>
               <a:r>
-                <a:rPr lang="en-US" altLang="ja-JP" sz="1400" dirty="0" smtClean="0">
+                <a:rPr lang="en-US" altLang="ja-JP" sz="1400" dirty="0">
                   <a:latin typeface="Times New Roman" panose="02020603050405020304" pitchFamily="18" charset="0"/>
                   <a:ea typeface="ＭＳ 明朝" panose="02020609040205080304" pitchFamily="17" charset="-128"/>
                   <a:cs typeface="Times New Roman" panose="02020603050405020304" pitchFamily="18" charset="0"/>
@@ -7089,21 +6968,8 @@
                   <a:ea typeface="ＭＳ 明朝" panose="02020609040205080304" pitchFamily="17" charset="-128"/>
                   <a:cs typeface="Times New Roman" panose="02020603050405020304" pitchFamily="18" charset="0"/>
                 </a:rPr>
-                <a:t>到達</a:t>
+                <a:t>到達可能領域のタイル</a:t>
               </a:r>
-              <a:r>
-                <a:rPr lang="ja-JP" altLang="en-US" sz="1400" dirty="0" smtClean="0">
-                  <a:latin typeface="Times New Roman" panose="02020603050405020304" pitchFamily="18" charset="0"/>
-                  <a:ea typeface="ＭＳ 明朝" panose="02020609040205080304" pitchFamily="17" charset="-128"/>
-                  <a:cs typeface="Times New Roman" panose="02020603050405020304" pitchFamily="18" charset="0"/>
-                </a:rPr>
-                <a:t>可能領域のタイル</a:t>
-              </a:r>
-              <a:endParaRPr lang="ja-JP" altLang="en-US" sz="1400" dirty="0">
-                <a:latin typeface="Times New Roman" panose="02020603050405020304" pitchFamily="18" charset="0"/>
-                <a:ea typeface="ＭＳ 明朝" panose="02020609040205080304" pitchFamily="17" charset="-128"/>
-                <a:cs typeface="Times New Roman" panose="02020603050405020304" pitchFamily="18" charset="0"/>
-              </a:endParaRPr>
             </a:p>
           </p:txBody>
         </p:sp>
@@ -7131,22 +6997,22 @@
           <a:lstStyle/>
           <a:p>
             <a:r>
-              <a:rPr lang="ja-JP" altLang="en-US" b="1" dirty="0" smtClean="0"/>
+              <a:rPr lang="ja-JP" altLang="en-US" b="1" dirty="0"/>
               <a:t>問題点</a:t>
             </a:r>
             <a:r>
-              <a:rPr lang="ja-JP" altLang="en-US" dirty="0" smtClean="0"/>
+              <a:rPr lang="ja-JP" altLang="en-US" dirty="0"/>
               <a:t>：</a:t>
             </a:r>
             <a:r>
-              <a:rPr lang="en-US" altLang="ja-JP" dirty="0" smtClean="0"/>
+              <a:rPr lang="en-US" altLang="ja-JP" dirty="0"/>
               <a:t>1. </a:t>
             </a:r>
             <a:r>
-              <a:rPr lang="ja-JP" altLang="en-US" dirty="0" smtClean="0"/>
+              <a:rPr lang="ja-JP" altLang="en-US" dirty="0"/>
               <a:t>計算量が多い</a:t>
             </a:r>
-            <a:endParaRPr lang="en-US" altLang="ja-JP" dirty="0" smtClean="0"/>
+            <a:endParaRPr lang="en-US" altLang="ja-JP" dirty="0"/>
           </a:p>
         </p:txBody>
       </p:sp>
@@ -7247,12 +7113,8 @@
             <a:p>
               <a:pPr algn="ctr"/>
               <a:r>
-                <a:rPr kumimoji="1" lang="en-US" altLang="ja-JP" b="1" dirty="0" smtClean="0"/>
-                <a:t>Pursuer Priority </a:t>
-              </a:r>
-              <a:r>
-                <a:rPr kumimoji="1" lang="en-US" altLang="ja-JP" b="1" dirty="0" smtClean="0"/>
-                <a:t>Queue</a:t>
+                <a:rPr kumimoji="1" lang="en-US" altLang="ja-JP" b="1" dirty="0"/>
+                <a:t>Pursuer Priority Queue</a:t>
               </a:r>
               <a:endParaRPr kumimoji="1" lang="ja-JP" altLang="en-US" b="1" dirty="0"/>
             </a:p>
@@ -7356,12 +7218,8 @@
             <a:p>
               <a:pPr algn="ctr"/>
               <a:r>
-                <a:rPr kumimoji="1" lang="en-US" altLang="ja-JP" b="1" dirty="0" smtClean="0"/>
-                <a:t>Target Priority </a:t>
-              </a:r>
-              <a:r>
-                <a:rPr kumimoji="1" lang="en-US" altLang="ja-JP" b="1" dirty="0" smtClean="0"/>
-                <a:t>Queue</a:t>
+                <a:rPr kumimoji="1" lang="en-US" altLang="ja-JP" b="1" dirty="0"/>
+                <a:t>Target Priority Queue</a:t>
               </a:r>
               <a:endParaRPr kumimoji="1" lang="ja-JP" altLang="en-US" b="1" dirty="0"/>
             </a:p>
@@ -7396,7 +7254,7 @@
               </a:lnSpc>
             </a:pPr>
             <a:r>
-              <a:rPr lang="en-US" altLang="ja-JP" sz="1200" dirty="0" smtClean="0"/>
+              <a:rPr lang="en-US" altLang="ja-JP" sz="1200" dirty="0"/>
               <a:t>[location, “Pursuer”, time = 0] </a:t>
             </a:r>
             <a:endParaRPr kumimoji="1" lang="ja-JP" altLang="en-US" sz="1200" dirty="0"/>
@@ -7431,7 +7289,7 @@
               </a:lnSpc>
             </a:pPr>
             <a:r>
-              <a:rPr lang="en-US" altLang="ja-JP" sz="1200" dirty="0" smtClean="0"/>
+              <a:rPr lang="en-US" altLang="ja-JP" sz="1200" dirty="0"/>
               <a:t>[location, “Pursuer”, time = 0] </a:t>
             </a:r>
             <a:endParaRPr kumimoji="1" lang="ja-JP" altLang="en-US" sz="1200" dirty="0"/>
@@ -7466,7 +7324,7 @@
               </a:lnSpc>
             </a:pPr>
             <a:r>
-              <a:rPr lang="en-US" altLang="ja-JP" sz="1200" dirty="0" smtClean="0"/>
+              <a:rPr lang="en-US" altLang="ja-JP" sz="1200" dirty="0"/>
               <a:t>[location, “Target”, time = 0] </a:t>
             </a:r>
             <a:endParaRPr kumimoji="1" lang="ja-JP" altLang="en-US" sz="1200" dirty="0"/>
@@ -7635,7 +7493,7 @@
               </a:lnSpc>
             </a:pPr>
             <a:r>
-              <a:rPr lang="en-US" altLang="ja-JP" sz="1200" dirty="0" smtClean="0"/>
+              <a:rPr lang="en-US" altLang="ja-JP" sz="1200" dirty="0"/>
               <a:t>[location, “Pursuer”, time = 1] </a:t>
             </a:r>
           </a:p>
@@ -7647,11 +7505,7 @@
             </a:pPr>
             <a:r>
               <a:rPr lang="en-US" altLang="ja-JP" sz="1200" dirty="0"/>
-              <a:t>[location, “Pursuer”, time = 1</a:t>
-            </a:r>
-            <a:r>
-              <a:rPr lang="en-US" altLang="ja-JP" sz="1200" dirty="0" smtClean="0"/>
-              <a:t>]</a:t>
+              <a:t>[location, “Pursuer”, time = 1]</a:t>
             </a:r>
           </a:p>
           <a:p>
@@ -7662,11 +7516,7 @@
             </a:pPr>
             <a:r>
               <a:rPr lang="en-US" altLang="ja-JP" sz="1200" dirty="0"/>
-              <a:t>[location, “Pursuer”, time = 1</a:t>
-            </a:r>
-            <a:r>
-              <a:rPr lang="en-US" altLang="ja-JP" sz="1200" dirty="0" smtClean="0"/>
-              <a:t>]</a:t>
+              <a:t>[location, “Pursuer”, time = 1]</a:t>
             </a:r>
           </a:p>
           <a:p>
@@ -7821,7 +7671,7 @@
               </a:lnSpc>
             </a:pPr>
             <a:r>
-              <a:rPr lang="en-US" altLang="ja-JP" sz="1200" dirty="0" smtClean="0"/>
+              <a:rPr lang="en-US" altLang="ja-JP" sz="1200" dirty="0"/>
               <a:t>[location, “Pursuer”, time = 1] </a:t>
             </a:r>
           </a:p>
@@ -7833,11 +7683,7 @@
             </a:pPr>
             <a:r>
               <a:rPr lang="en-US" altLang="ja-JP" sz="1200" dirty="0"/>
-              <a:t>[location, “Pursuer”, time = 1</a:t>
-            </a:r>
-            <a:r>
-              <a:rPr lang="en-US" altLang="ja-JP" sz="1200" dirty="0" smtClean="0"/>
-              <a:t>]</a:t>
+              <a:t>[location, “Pursuer”, time = 1]</a:t>
             </a:r>
           </a:p>
           <a:p>
@@ -7848,11 +7694,7 @@
             </a:pPr>
             <a:r>
               <a:rPr lang="en-US" altLang="ja-JP" sz="1200" dirty="0"/>
-              <a:t>[location, “Pursuer”, time = 1</a:t>
-            </a:r>
-            <a:r>
-              <a:rPr lang="en-US" altLang="ja-JP" sz="1200" dirty="0" smtClean="0"/>
-              <a:t>]</a:t>
+              <a:t>[location, “Pursuer”, time = 1]</a:t>
             </a:r>
           </a:p>
           <a:p>
@@ -8004,7 +7846,7 @@
               </a:lnSpc>
             </a:pPr>
             <a:r>
-              <a:rPr lang="en-US" altLang="ja-JP" sz="1200" dirty="0" smtClean="0"/>
+              <a:rPr lang="en-US" altLang="ja-JP" sz="1200" dirty="0"/>
               <a:t>[location, “Target”, time = 1]</a:t>
             </a:r>
           </a:p>
@@ -8016,11 +7858,7 @@
             </a:pPr>
             <a:r>
               <a:rPr lang="en-US" altLang="ja-JP" sz="1200" dirty="0"/>
-              <a:t>[location, “Target”, time = 1</a:t>
-            </a:r>
-            <a:r>
-              <a:rPr lang="en-US" altLang="ja-JP" sz="1200" dirty="0" smtClean="0"/>
-              <a:t>]</a:t>
+              <a:t>[location, “Target”, time = 1]</a:t>
             </a:r>
           </a:p>
           <a:p>
@@ -8031,11 +7869,7 @@
             </a:pPr>
             <a:r>
               <a:rPr lang="en-US" altLang="ja-JP" sz="1200" dirty="0"/>
-              <a:t>[location, “Target”, time = 1</a:t>
-            </a:r>
-            <a:r>
-              <a:rPr lang="en-US" altLang="ja-JP" sz="1200" dirty="0" smtClean="0"/>
-              <a:t>]</a:t>
+              <a:t>[location, “Target”, time = 1]</a:t>
             </a:r>
           </a:p>
           <a:p>
@@ -8046,11 +7880,7 @@
             </a:pPr>
             <a:r>
               <a:rPr lang="en-US" altLang="ja-JP" sz="1200" dirty="0"/>
-              <a:t>[location, “Target”, time = 1]</a:t>
-            </a:r>
-            <a:r>
-              <a:rPr lang="en-US" altLang="ja-JP" sz="1200" dirty="0" smtClean="0"/>
-              <a:t> </a:t>
+              <a:t>[location, “Target”, time = 1] </a:t>
             </a:r>
             <a:endParaRPr kumimoji="1" lang="ja-JP" altLang="en-US" sz="1200" dirty="0"/>
           </a:p>
@@ -8974,11 +8804,7 @@
           <a:p>
             <a:r>
               <a:rPr lang="ja-JP" altLang="en-US" dirty="0"/>
-              <a:t>提案</a:t>
-            </a:r>
-            <a:r>
-              <a:rPr lang="ja-JP" altLang="en-US" dirty="0" smtClean="0"/>
-              <a:t>手法</a:t>
+              <a:t>提案手法</a:t>
             </a:r>
             <a:endParaRPr lang="en-US" dirty="0"/>
           </a:p>
@@ -9202,21 +9028,8 @@
                   <a:ea typeface="ＭＳ 明朝" panose="02020609040205080304" pitchFamily="17" charset="-128"/>
                   <a:cs typeface="Times New Roman" panose="02020603050405020304" pitchFamily="18" charset="0"/>
                 </a:rPr>
-                <a:t>障害物</a:t>
+                <a:t>障害物のタイル</a:t>
               </a:r>
-              <a:r>
-                <a:rPr lang="ja-JP" altLang="en-US" sz="1400" dirty="0" smtClean="0">
-                  <a:latin typeface="Times New Roman" panose="02020603050405020304" pitchFamily="18" charset="0"/>
-                  <a:ea typeface="ＭＳ 明朝" panose="02020609040205080304" pitchFamily="17" charset="-128"/>
-                  <a:cs typeface="Times New Roman" panose="02020603050405020304" pitchFamily="18" charset="0"/>
-                </a:rPr>
-                <a:t>のタイル</a:t>
-              </a:r>
-              <a:endParaRPr lang="ja-JP" altLang="en-US" sz="1400" dirty="0">
-                <a:latin typeface="Times New Roman" panose="02020603050405020304" pitchFamily="18" charset="0"/>
-                <a:ea typeface="ＭＳ 明朝" panose="02020609040205080304" pitchFamily="17" charset="-128"/>
-                <a:cs typeface="Times New Roman" panose="02020603050405020304" pitchFamily="18" charset="0"/>
-              </a:endParaRPr>
             </a:p>
           </p:txBody>
         </p:sp>
@@ -9243,7 +9056,7 @@
             <a:lstStyle/>
             <a:p>
               <a:r>
-                <a:rPr lang="en-US" altLang="ja-JP" sz="1400" dirty="0" smtClean="0">
+                <a:rPr lang="en-US" altLang="ja-JP" sz="1400" dirty="0">
                   <a:latin typeface="Times New Roman" panose="02020603050405020304" pitchFamily="18" charset="0"/>
                   <a:ea typeface="ＭＳ 明朝" panose="02020609040205080304" pitchFamily="17" charset="-128"/>
                   <a:cs typeface="Times New Roman" panose="02020603050405020304" pitchFamily="18" charset="0"/>
@@ -9251,18 +9064,13 @@
                 <a:t>Pursuer</a:t>
               </a:r>
               <a:r>
-                <a:rPr lang="ja-JP" altLang="en-US" sz="1400" dirty="0" smtClean="0">
+                <a:rPr lang="ja-JP" altLang="en-US" sz="1400" dirty="0">
                   <a:latin typeface="Times New Roman" panose="02020603050405020304" pitchFamily="18" charset="0"/>
                   <a:ea typeface="ＭＳ 明朝" panose="02020609040205080304" pitchFamily="17" charset="-128"/>
                   <a:cs typeface="Times New Roman" panose="02020603050405020304" pitchFamily="18" charset="0"/>
                 </a:rPr>
                 <a:t>のタイル</a:t>
               </a:r>
-              <a:endParaRPr lang="ja-JP" altLang="en-US" sz="1400" dirty="0">
-                <a:latin typeface="Times New Roman" panose="02020603050405020304" pitchFamily="18" charset="0"/>
-                <a:ea typeface="ＭＳ 明朝" panose="02020609040205080304" pitchFamily="17" charset="-128"/>
-                <a:cs typeface="Times New Roman" panose="02020603050405020304" pitchFamily="18" charset="0"/>
-              </a:endParaRPr>
             </a:p>
           </p:txBody>
         </p:sp>
@@ -9289,7 +9097,7 @@
             <a:lstStyle/>
             <a:p>
               <a:r>
-                <a:rPr lang="en-US" altLang="ja-JP" sz="1400" dirty="0" smtClean="0">
+                <a:rPr lang="en-US" altLang="ja-JP" sz="1400" dirty="0">
                   <a:latin typeface="Times New Roman" panose="02020603050405020304" pitchFamily="18" charset="0"/>
                   <a:ea typeface="ＭＳ 明朝" panose="02020609040205080304" pitchFamily="17" charset="-128"/>
                   <a:cs typeface="Times New Roman" panose="02020603050405020304" pitchFamily="18" charset="0"/>
@@ -9297,18 +9105,13 @@
                 <a:t>Pursuer</a:t>
               </a:r>
               <a:r>
-                <a:rPr lang="ja-JP" altLang="en-US" sz="1400" dirty="0" smtClean="0">
+                <a:rPr lang="ja-JP" altLang="en-US" sz="1400" dirty="0">
                   <a:latin typeface="Times New Roman" panose="02020603050405020304" pitchFamily="18" charset="0"/>
                   <a:ea typeface="ＭＳ 明朝" panose="02020609040205080304" pitchFamily="17" charset="-128"/>
                   <a:cs typeface="Times New Roman" panose="02020603050405020304" pitchFamily="18" charset="0"/>
                 </a:rPr>
                 <a:t>到達可能領域のタイル</a:t>
               </a:r>
-              <a:endParaRPr lang="ja-JP" altLang="en-US" sz="1400" dirty="0">
-                <a:latin typeface="Times New Roman" panose="02020603050405020304" pitchFamily="18" charset="0"/>
-                <a:ea typeface="ＭＳ 明朝" panose="02020609040205080304" pitchFamily="17" charset="-128"/>
-                <a:cs typeface="Times New Roman" panose="02020603050405020304" pitchFamily="18" charset="0"/>
-              </a:endParaRPr>
             </a:p>
           </p:txBody>
         </p:sp>
@@ -9335,7 +9138,7 @@
             <a:lstStyle/>
             <a:p>
               <a:r>
-                <a:rPr lang="en-US" altLang="ja-JP" sz="1400" dirty="0" smtClean="0">
+                <a:rPr lang="en-US" altLang="ja-JP" sz="1400" dirty="0">
                   <a:latin typeface="Times New Roman" panose="02020603050405020304" pitchFamily="18" charset="0"/>
                   <a:ea typeface="ＭＳ 明朝" panose="02020609040205080304" pitchFamily="17" charset="-128"/>
                   <a:cs typeface="Times New Roman" panose="02020603050405020304" pitchFamily="18" charset="0"/>
@@ -9343,18 +9146,13 @@
                 <a:t>Target</a:t>
               </a:r>
               <a:r>
-                <a:rPr lang="ja-JP" altLang="en-US" sz="1400" dirty="0" smtClean="0">
+                <a:rPr lang="ja-JP" altLang="en-US" sz="1400" dirty="0">
                   <a:latin typeface="Times New Roman" panose="02020603050405020304" pitchFamily="18" charset="0"/>
                   <a:ea typeface="ＭＳ 明朝" panose="02020609040205080304" pitchFamily="17" charset="-128"/>
                   <a:cs typeface="Times New Roman" panose="02020603050405020304" pitchFamily="18" charset="0"/>
                 </a:rPr>
                 <a:t>のタイル</a:t>
               </a:r>
-              <a:endParaRPr lang="ja-JP" altLang="en-US" sz="1400" dirty="0">
-                <a:latin typeface="Times New Roman" panose="02020603050405020304" pitchFamily="18" charset="0"/>
-                <a:ea typeface="ＭＳ 明朝" panose="02020609040205080304" pitchFamily="17" charset="-128"/>
-                <a:cs typeface="Times New Roman" panose="02020603050405020304" pitchFamily="18" charset="0"/>
-              </a:endParaRPr>
             </a:p>
           </p:txBody>
         </p:sp>
@@ -9381,7 +9179,7 @@
             <a:lstStyle/>
             <a:p>
               <a:r>
-                <a:rPr lang="en-US" altLang="ja-JP" sz="1400" dirty="0" smtClean="0">
+                <a:rPr lang="en-US" altLang="ja-JP" sz="1400" dirty="0">
                   <a:latin typeface="Times New Roman" panose="02020603050405020304" pitchFamily="18" charset="0"/>
                   <a:ea typeface="ＭＳ 明朝" panose="02020609040205080304" pitchFamily="17" charset="-128"/>
                   <a:cs typeface="Times New Roman" panose="02020603050405020304" pitchFamily="18" charset="0"/>
@@ -9394,21 +9192,8 @@
                   <a:ea typeface="ＭＳ 明朝" panose="02020609040205080304" pitchFamily="17" charset="-128"/>
                   <a:cs typeface="Times New Roman" panose="02020603050405020304" pitchFamily="18" charset="0"/>
                 </a:rPr>
-                <a:t>到達</a:t>
+                <a:t>到達可能領域のタイル</a:t>
               </a:r>
-              <a:r>
-                <a:rPr lang="ja-JP" altLang="en-US" sz="1400" dirty="0" smtClean="0">
-                  <a:latin typeface="Times New Roman" panose="02020603050405020304" pitchFamily="18" charset="0"/>
-                  <a:ea typeface="ＭＳ 明朝" panose="02020609040205080304" pitchFamily="17" charset="-128"/>
-                  <a:cs typeface="Times New Roman" panose="02020603050405020304" pitchFamily="18" charset="0"/>
-                </a:rPr>
-                <a:t>可能領域のタイル</a:t>
-              </a:r>
-              <a:endParaRPr lang="ja-JP" altLang="en-US" sz="1400" dirty="0">
-                <a:latin typeface="Times New Roman" panose="02020603050405020304" pitchFamily="18" charset="0"/>
-                <a:ea typeface="ＭＳ 明朝" panose="02020609040205080304" pitchFamily="17" charset="-128"/>
-                <a:cs typeface="Times New Roman" panose="02020603050405020304" pitchFamily="18" charset="0"/>
-              </a:endParaRPr>
             </a:p>
           </p:txBody>
         </p:sp>
@@ -9436,22 +9221,22 @@
           <a:lstStyle/>
           <a:p>
             <a:r>
-              <a:rPr lang="ja-JP" altLang="en-US" b="1" dirty="0" smtClean="0"/>
+              <a:rPr lang="ja-JP" altLang="en-US" b="1" dirty="0"/>
               <a:t>問題点</a:t>
             </a:r>
             <a:r>
-              <a:rPr lang="ja-JP" altLang="en-US" dirty="0" smtClean="0"/>
+              <a:rPr lang="ja-JP" altLang="en-US" dirty="0"/>
               <a:t>：</a:t>
             </a:r>
             <a:r>
-              <a:rPr lang="en-US" altLang="ja-JP" dirty="0" smtClean="0"/>
+              <a:rPr lang="en-US" altLang="ja-JP" dirty="0"/>
               <a:t>1. </a:t>
             </a:r>
             <a:r>
-              <a:rPr lang="ja-JP" altLang="en-US" dirty="0" smtClean="0"/>
+              <a:rPr lang="ja-JP" altLang="en-US" dirty="0"/>
               <a:t>計算量が多い</a:t>
             </a:r>
-            <a:endParaRPr lang="en-US" altLang="ja-JP" dirty="0" smtClean="0"/>
+            <a:endParaRPr lang="en-US" altLang="ja-JP" dirty="0"/>
           </a:p>
         </p:txBody>
       </p:sp>
@@ -9552,12 +9337,8 @@
             <a:p>
               <a:pPr algn="ctr"/>
               <a:r>
-                <a:rPr kumimoji="1" lang="en-US" altLang="ja-JP" b="1" dirty="0" smtClean="0"/>
-                <a:t>Pursuer Priority </a:t>
-              </a:r>
-              <a:r>
-                <a:rPr kumimoji="1" lang="en-US" altLang="ja-JP" b="1" dirty="0" smtClean="0"/>
-                <a:t>Queue</a:t>
+                <a:rPr kumimoji="1" lang="en-US" altLang="ja-JP" b="1" dirty="0"/>
+                <a:t>Pursuer Priority Queue</a:t>
               </a:r>
               <a:endParaRPr kumimoji="1" lang="ja-JP" altLang="en-US" b="1" dirty="0"/>
             </a:p>
@@ -9661,12 +9442,8 @@
             <a:p>
               <a:pPr algn="ctr"/>
               <a:r>
-                <a:rPr kumimoji="1" lang="en-US" altLang="ja-JP" b="1" dirty="0" smtClean="0"/>
-                <a:t>Target Priority </a:t>
-              </a:r>
-              <a:r>
-                <a:rPr kumimoji="1" lang="en-US" altLang="ja-JP" b="1" dirty="0" smtClean="0"/>
-                <a:t>Queue</a:t>
+                <a:rPr kumimoji="1" lang="en-US" altLang="ja-JP" b="1" dirty="0"/>
+                <a:t>Target Priority Queue</a:t>
               </a:r>
               <a:endParaRPr kumimoji="1" lang="ja-JP" altLang="en-US" b="1" dirty="0"/>
             </a:p>
@@ -9701,10 +9478,9 @@
               </a:lnSpc>
             </a:pPr>
             <a:r>
-              <a:rPr lang="en-US" altLang="ja-JP" sz="1200" dirty="0" smtClean="0"/>
+              <a:rPr lang="en-US" altLang="ja-JP" sz="1200" dirty="0"/>
               <a:t>…</a:t>
             </a:r>
-            <a:endParaRPr lang="en-US" altLang="ja-JP" sz="1200" dirty="0" smtClean="0"/>
           </a:p>
           <a:p>
             <a:pPr>
@@ -9713,15 +9489,15 @@
               </a:lnSpc>
             </a:pPr>
             <a:r>
-              <a:rPr lang="en-US" altLang="ja-JP" sz="1200" dirty="0" smtClean="0"/>
+              <a:rPr lang="en-US" altLang="ja-JP" sz="1200" dirty="0"/>
               <a:t>[location, “Target”, time = </a:t>
             </a:r>
             <a:r>
-              <a:rPr lang="en-US" altLang="zh-CN" sz="1200" dirty="0" smtClean="0"/>
+              <a:rPr lang="en-US" altLang="zh-CN" sz="1200" dirty="0"/>
               <a:t>3</a:t>
             </a:r>
             <a:r>
-              <a:rPr lang="en-US" altLang="ja-JP" sz="1200" dirty="0" smtClean="0"/>
+              <a:rPr lang="en-US" altLang="ja-JP" sz="1200" dirty="0"/>
               <a:t>] </a:t>
             </a:r>
             <a:endParaRPr kumimoji="1" lang="ja-JP" altLang="en-US" sz="1200" dirty="0"/>
@@ -9756,15 +9532,15 @@
               </a:lnSpc>
             </a:pPr>
             <a:r>
-              <a:rPr lang="en-US" altLang="ja-JP" sz="1200" dirty="0" smtClean="0"/>
+              <a:rPr lang="en-US" altLang="ja-JP" sz="1200" dirty="0"/>
               <a:t>[location, “Pursuer”, time = </a:t>
             </a:r>
             <a:r>
-              <a:rPr lang="en-US" altLang="zh-CN" sz="1200" dirty="0" smtClean="0"/>
+              <a:rPr lang="en-US" altLang="zh-CN" sz="1200" dirty="0"/>
               <a:t>3</a:t>
             </a:r>
             <a:r>
-              <a:rPr lang="en-US" altLang="ja-JP" sz="1200" dirty="0" smtClean="0"/>
+              <a:rPr lang="en-US" altLang="ja-JP" sz="1200" dirty="0"/>
               <a:t>] </a:t>
             </a:r>
           </a:p>
@@ -9779,11 +9555,11 @@
               <a:t>[location, “Pursuer”, time = </a:t>
             </a:r>
             <a:r>
-              <a:rPr lang="en-US" altLang="zh-CN" sz="1200" dirty="0" smtClean="0"/>
+              <a:rPr lang="en-US" altLang="zh-CN" sz="1200" dirty="0"/>
               <a:t>3</a:t>
             </a:r>
             <a:r>
-              <a:rPr lang="en-US" altLang="ja-JP" sz="1200" dirty="0" smtClean="0"/>
+              <a:rPr lang="en-US" altLang="ja-JP" sz="1200" dirty="0"/>
               <a:t>]</a:t>
             </a:r>
           </a:p>
@@ -9795,18 +9571,14 @@
             </a:pPr>
             <a:r>
               <a:rPr lang="en-US" altLang="ja-JP" sz="1200" dirty="0"/>
-              <a:t>[location, “Pursuer”, </a:t>
-            </a:r>
-            <a:r>
-              <a:rPr lang="en-US" altLang="ja-JP" sz="1200" dirty="0" smtClean="0"/>
-              <a:t>time = </a:t>
+              <a:t>[location, “Pursuer”, time = </a:t>
             </a:r>
             <a:r>
               <a:rPr lang="en-US" altLang="zh-CN" sz="1200" dirty="0"/>
               <a:t>3</a:t>
             </a:r>
             <a:r>
-              <a:rPr lang="en-US" altLang="ja-JP" sz="1200" dirty="0" smtClean="0"/>
+              <a:rPr lang="en-US" altLang="ja-JP" sz="1200" dirty="0"/>
               <a:t>]</a:t>
             </a:r>
           </a:p>
@@ -9825,7 +9597,7 @@
               <a:t>3</a:t>
             </a:r>
             <a:r>
-              <a:rPr lang="en-US" altLang="ja-JP" sz="1200" dirty="0" smtClean="0"/>
+              <a:rPr lang="en-US" altLang="ja-JP" sz="1200" dirty="0"/>
               <a:t>]</a:t>
             </a:r>
             <a:endParaRPr kumimoji="1" lang="en-US" altLang="ja-JP" sz="1200" dirty="0"/>
@@ -9837,7 +9609,7 @@
               </a:lnSpc>
             </a:pPr>
             <a:r>
-              <a:rPr kumimoji="1" lang="en-US" altLang="ja-JP" sz="1200" dirty="0" smtClean="0"/>
+              <a:rPr kumimoji="1" lang="en-US" altLang="ja-JP" sz="1200" dirty="0"/>
               <a:t>…</a:t>
             </a:r>
           </a:p>
@@ -9889,27 +9661,25 @@
           </a:bodyPr>
           <a:lstStyle/>
           <a:p>
-            <a:pPr/>
-            <a:r>
-              <a:rPr lang="en-US" altLang="ja-JP" dirty="0" smtClean="0"/>
+            <a:r>
+              <a:rPr lang="en-US" altLang="ja-JP" dirty="0"/>
               <a:t>Target Priority Queue</a:t>
             </a:r>
           </a:p>
           <a:p>
-            <a:pPr/>
-            <a:r>
-              <a:rPr lang="ja-JP" altLang="en-US" dirty="0" smtClean="0"/>
+            <a:r>
+              <a:rPr lang="ja-JP" altLang="en-US" dirty="0"/>
               <a:t>が空き状態になると</a:t>
             </a:r>
             <a:r>
-              <a:rPr lang="ja-JP" altLang="en-US" dirty="0" smtClean="0">
+              <a:rPr lang="ja-JP" altLang="en-US" dirty="0">
                 <a:solidFill>
                   <a:srgbClr val="FF0000"/>
                 </a:solidFill>
               </a:rPr>
               <a:t>終了</a:t>
             </a:r>
-            <a:endParaRPr lang="en-US" altLang="ja-JP" dirty="0" smtClean="0">
+            <a:endParaRPr lang="en-US" altLang="ja-JP" dirty="0">
               <a:solidFill>
                 <a:srgbClr val="FF0000"/>
               </a:solidFill>
@@ -9989,22 +9759,22 @@
           <a:p>
             <a:pPr algn="ctr"/>
             <a:r>
-              <a:rPr lang="en-US" altLang="zh-CN" dirty="0" smtClean="0"/>
+              <a:rPr lang="en-US" altLang="zh-CN" dirty="0"/>
               <a:t>Target-cover-set:</a:t>
             </a:r>
           </a:p>
           <a:p>
             <a:pPr algn="ctr"/>
             <a:r>
-              <a:rPr lang="ja-JP" altLang="en-US" dirty="0" smtClean="0"/>
+              <a:rPr lang="ja-JP" altLang="en-US" dirty="0"/>
               <a:t>上 </a:t>
             </a:r>
             <a:r>
-              <a:rPr lang="en-US" altLang="ja-JP" dirty="0" smtClean="0"/>
+              <a:rPr lang="en-US" altLang="ja-JP" dirty="0"/>
               <a:t>- </a:t>
             </a:r>
             <a:r>
-              <a:rPr lang="en-US" altLang="ja-JP" b="1" dirty="0" smtClean="0">
+              <a:rPr lang="en-US" altLang="ja-JP" b="1" dirty="0">
                 <a:solidFill>
                   <a:srgbClr val="FF0000"/>
                 </a:solidFill>
@@ -10015,33 +9785,33 @@
           <a:p>
             <a:pPr algn="ctr"/>
             <a:r>
-              <a:rPr lang="ja-JP" altLang="en-US" dirty="0" smtClean="0"/>
+              <a:rPr lang="ja-JP" altLang="en-US" dirty="0"/>
               <a:t>下 </a:t>
             </a:r>
             <a:r>
-              <a:rPr lang="en-US" altLang="ja-JP" dirty="0" smtClean="0"/>
+              <a:rPr lang="en-US" altLang="ja-JP" dirty="0"/>
               <a:t>- 12</a:t>
             </a:r>
           </a:p>
           <a:p>
             <a:pPr algn="ctr"/>
             <a:r>
-              <a:rPr lang="ja-JP" altLang="en-US" dirty="0" smtClean="0"/>
+              <a:rPr lang="ja-JP" altLang="en-US" dirty="0"/>
               <a:t>左 </a:t>
             </a:r>
             <a:r>
-              <a:rPr lang="en-US" altLang="ja-JP" dirty="0" smtClean="0"/>
+              <a:rPr lang="en-US" altLang="ja-JP" dirty="0"/>
               <a:t>- 15</a:t>
             </a:r>
           </a:p>
           <a:p>
             <a:pPr algn="ctr"/>
             <a:r>
-              <a:rPr lang="ja-JP" altLang="en-US" dirty="0" smtClean="0"/>
+              <a:rPr lang="ja-JP" altLang="en-US" dirty="0"/>
               <a:t>右 </a:t>
             </a:r>
             <a:r>
-              <a:rPr lang="en-US" altLang="ja-JP" dirty="0" smtClean="0"/>
+              <a:rPr lang="en-US" altLang="ja-JP" dirty="0"/>
               <a:t>- 15</a:t>
             </a:r>
             <a:endParaRPr lang="zh-CN" altLang="en-US" dirty="0"/>
@@ -10071,7 +9841,7 @@
           <a:lstStyle/>
           <a:p>
             <a:r>
-              <a:rPr lang="ja-JP" altLang="en-US" b="1" dirty="0" smtClean="0">
+              <a:rPr lang="ja-JP" altLang="en-US" b="1" dirty="0">
                 <a:solidFill>
                   <a:srgbClr val="FF0000"/>
                 </a:solidFill>
@@ -10079,7 +9849,7 @@
               <a:t>上</a:t>
             </a:r>
             <a:r>
-              <a:rPr lang="ja-JP" altLang="en-US" dirty="0" smtClean="0"/>
+              <a:rPr lang="ja-JP" altLang="en-US" dirty="0"/>
               <a:t>のタイルに移動する</a:t>
             </a:r>
             <a:endParaRPr lang="zh-CN" altLang="en-US" dirty="0"/>
@@ -10848,33 +10618,25 @@
           </a:bodyPr>
           <a:lstStyle/>
           <a:p>
-            <a:pPr/>
             <a:r>
               <a:rPr lang="en-US" altLang="ja-JP" dirty="0"/>
               <a:t>A star algorithm</a:t>
             </a:r>
             <a:r>
               <a:rPr lang="ja-JP" altLang="en-US" dirty="0"/>
-              <a:t>は一対一の最短経路探索に有効</a:t>
-            </a:r>
-            <a:r>
-              <a:rPr lang="ja-JP" altLang="en-US" dirty="0" smtClean="0"/>
-              <a:t>です。</a:t>
-            </a:r>
-            <a:endParaRPr lang="ja-JP" altLang="en-US" dirty="0"/>
-          </a:p>
-          <a:p>
-            <a:pPr/>
-            <a:endParaRPr lang="en-US" altLang="ja-JP" dirty="0" smtClean="0"/>
-          </a:p>
-          <a:p>
-            <a:pPr/>
-            <a:r>
-              <a:rPr lang="ja-JP" altLang="en-US" dirty="0" smtClean="0"/>
+              <a:t>は一対一の最短経路探索に有効です。</a:t>
+            </a:r>
+          </a:p>
+          <a:p>
+            <a:endParaRPr lang="en-US" altLang="ja-JP" dirty="0"/>
+          </a:p>
+          <a:p>
+            <a:r>
+              <a:rPr lang="ja-JP" altLang="en-US" dirty="0"/>
               <a:t>該当パーサを</a:t>
             </a:r>
             <a:r>
-              <a:rPr lang="en-US" altLang="ja-JP" dirty="0" smtClean="0">
+              <a:rPr lang="en-US" altLang="ja-JP" dirty="0">
                 <a:solidFill>
                   <a:srgbClr val="FF0000"/>
                 </a:solidFill>
@@ -10882,10 +10644,10 @@
               <a:t>A star algorithm</a:t>
             </a:r>
             <a:r>
-              <a:rPr lang="ja-JP" altLang="en-US" dirty="0" smtClean="0"/>
+              <a:rPr lang="ja-JP" altLang="en-US" dirty="0"/>
               <a:t>を適用します。</a:t>
             </a:r>
-            <a:endParaRPr lang="en-US" altLang="ja-JP" dirty="0" smtClean="0"/>
+            <a:endParaRPr lang="en-US" altLang="ja-JP" dirty="0"/>
           </a:p>
         </p:txBody>
       </p:sp>
@@ -10950,11 +10712,11 @@
           <a:lstStyle/>
           <a:p>
             <a:r>
-              <a:rPr lang="ja-JP" altLang="en-US" b="1" dirty="0" smtClean="0"/>
+              <a:rPr lang="ja-JP" altLang="en-US" b="1" dirty="0"/>
               <a:t>問題点</a:t>
             </a:r>
             <a:r>
-              <a:rPr lang="ja-JP" altLang="en-US" dirty="0" smtClean="0"/>
+              <a:rPr lang="ja-JP" altLang="en-US" dirty="0"/>
               <a:t>：</a:t>
             </a:r>
             <a:r>
@@ -10962,7 +10724,7 @@
               <a:t>2. Tie-Breaking</a:t>
             </a:r>
             <a:r>
-              <a:rPr lang="ja-JP" altLang="en-US" dirty="0" smtClean="0"/>
+              <a:rPr lang="ja-JP" altLang="en-US" dirty="0"/>
               <a:t>問題</a:t>
             </a:r>
             <a:endParaRPr lang="en-US" altLang="ja-JP" dirty="0"/>
@@ -10979,14 +10741,6 @@
   <p:clrMapOvr>
     <a:masterClrMapping/>
   </p:clrMapOvr>
-  <mc:AlternateContent xmlns:mc="http://schemas.openxmlformats.org/markup-compatibility/2006">
-    <mc:Choice xmlns:p14="http://schemas.microsoft.com/office/powerpoint/2010/main" Requires="p14">
-      <p:transition spd="slow" p14:dur="2000"/>
-    </mc:Choice>
-    <mc:Fallback>
-      <p:transition spd="slow"/>
-    </mc:Fallback>
-  </mc:AlternateContent>
   <p:timing>
     <p:tnLst>
       <p:par>
@@ -11233,11 +10987,6 @@
               </a:rPr>
               <a:t> 解決</a:t>
             </a:r>
-            <a:endParaRPr lang="ja-JP" altLang="en-US" dirty="0">
-              <a:latin typeface="Times New Roman" panose="02020603050405020304" pitchFamily="18" charset="0"/>
-              <a:ea typeface="ＭＳ 明朝" panose="02020609040205080304" pitchFamily="17" charset="-128"/>
-              <a:cs typeface="Times New Roman" panose="02020603050405020304" pitchFamily="18" charset="0"/>
-            </a:endParaRPr>
           </a:p>
         </p:txBody>
       </p:sp>
@@ -11357,12 +11106,8 @@
               <a:p>
                 <a:pPr algn="ctr"/>
                 <a:r>
-                  <a:rPr kumimoji="1" lang="en-US" altLang="ja-JP" b="1" dirty="0" smtClean="0"/>
-                  <a:t>Pursuer Priority </a:t>
-                </a:r>
-                <a:r>
-                  <a:rPr kumimoji="1" lang="en-US" altLang="ja-JP" b="1" dirty="0" smtClean="0"/>
-                  <a:t>Queue</a:t>
+                  <a:rPr kumimoji="1" lang="en-US" altLang="ja-JP" b="1" dirty="0"/>
+                  <a:t>Pursuer Priority Queue</a:t>
                 </a:r>
                 <a:endParaRPr kumimoji="1" lang="ja-JP" altLang="en-US" b="1" dirty="0"/>
               </a:p>
@@ -11408,12 +11153,8 @@
               <a:p>
                 <a:pPr algn="ctr"/>
                 <a:r>
-                  <a:rPr kumimoji="1" lang="en-US" altLang="ja-JP" b="1" dirty="0" smtClean="0"/>
-                  <a:t>Target Priority </a:t>
-                </a:r>
-                <a:r>
-                  <a:rPr kumimoji="1" lang="en-US" altLang="ja-JP" b="1" dirty="0" smtClean="0"/>
-                  <a:t>Queue</a:t>
+                  <a:rPr kumimoji="1" lang="en-US" altLang="ja-JP" b="1" dirty="0"/>
+                  <a:t>Target Priority Queue</a:t>
                 </a:r>
                 <a:endParaRPr kumimoji="1" lang="ja-JP" altLang="en-US" b="1" dirty="0"/>
               </a:p>
@@ -11442,15 +11183,15 @@
               <a:lstStyle/>
               <a:p>
                 <a:r>
-                  <a:rPr lang="ja-JP" altLang="en-US" dirty="0" smtClean="0"/>
+                  <a:rPr lang="ja-JP" altLang="en-US" dirty="0"/>
                   <a:t>二つの優先キューにより</a:t>
                 </a:r>
                 <a:r>
-                  <a:rPr lang="en-US" altLang="ja-JP" dirty="0" smtClean="0"/>
+                  <a:rPr lang="en-US" altLang="ja-JP" dirty="0"/>
                   <a:t>Target-cover-set</a:t>
                 </a:r>
                 <a:r>
-                  <a:rPr lang="ja-JP" altLang="en-US" dirty="0" smtClean="0"/>
+                  <a:rPr lang="ja-JP" altLang="en-US" dirty="0"/>
                   <a:t>の最小値を取る</a:t>
                 </a:r>
                 <a:endParaRPr lang="zh-CN" altLang="en-US" dirty="0"/>
@@ -11480,16 +11221,12 @@
               <a:lstStyle/>
               <a:p>
                 <a:r>
-                  <a:rPr lang="ja-JP" altLang="en-US" b="1" dirty="0" smtClean="0"/>
+                  <a:rPr lang="ja-JP" altLang="en-US" b="1" dirty="0"/>
                   <a:t>高速</a:t>
                 </a:r>
                 <a:r>
-                  <a:rPr lang="en-US" altLang="ja-JP" b="1" dirty="0" smtClean="0"/>
-                  <a:t>Cover </a:t>
-                </a:r>
-                <a:r>
                   <a:rPr lang="en-US" altLang="ja-JP" b="1" dirty="0"/>
-                  <a:t>Heuristic</a:t>
+                  <a:t>Cover Heuristic</a:t>
                 </a:r>
                 <a:r>
                   <a:rPr lang="ja-JP" altLang="en-US" b="1" dirty="0"/>
@@ -11523,11 +11260,11 @@
             <a:lstStyle/>
             <a:p>
               <a:r>
-                <a:rPr lang="en-US" altLang="zh-CN" b="1" dirty="0" smtClean="0"/>
+                <a:rPr lang="en-US" altLang="zh-CN" b="1" dirty="0"/>
                 <a:t>Tie-Breaking</a:t>
               </a:r>
               <a:r>
-                <a:rPr lang="ja-JP" altLang="en-US" b="1" dirty="0" smtClean="0"/>
+                <a:rPr lang="ja-JP" altLang="en-US" b="1" dirty="0"/>
                 <a:t>解決</a:t>
               </a:r>
               <a:endParaRPr lang="zh-CN" altLang="en-US" b="1" dirty="0"/>
@@ -11556,40 +11293,25 @@
             </a:bodyPr>
             <a:lstStyle/>
             <a:p>
-              <a:pPr/>
               <a:r>
                 <a:rPr lang="ja-JP" altLang="en-US" dirty="0"/>
-                <a:t>該当パーサ</a:t>
+                <a:t>該当パーサを</a:t>
               </a:r>
-              <a:r>
-                <a:rPr lang="ja-JP" altLang="en-US" dirty="0" smtClean="0"/>
-                <a:t>を</a:t>
-              </a:r>
-              <a:endParaRPr lang="en-US" altLang="ja-JP" dirty="0" smtClean="0"/>
+              <a:endParaRPr lang="en-US" altLang="ja-JP" dirty="0"/>
             </a:p>
             <a:p>
-              <a:pPr/>
-              <a:r>
-                <a:rPr lang="en-US" altLang="ja-JP" dirty="0" smtClean="0">
-                  <a:solidFill>
-                    <a:srgbClr val="FF0000"/>
-                  </a:solidFill>
-                </a:rPr>
-                <a:t>A </a:t>
-              </a:r>
               <a:r>
                 <a:rPr lang="en-US" altLang="ja-JP" dirty="0">
                   <a:solidFill>
                     <a:srgbClr val="FF0000"/>
                   </a:solidFill>
                 </a:rPr>
-                <a:t>star algorithm</a:t>
+                <a:t>A star algorithm</a:t>
               </a:r>
               <a:r>
                 <a:rPr lang="ja-JP" altLang="en-US" dirty="0"/>
                 <a:t>を適用</a:t>
               </a:r>
-              <a:endParaRPr lang="ja-JP" altLang="en-US" dirty="0"/>
             </a:p>
           </p:txBody>
         </p:sp>
@@ -11604,13 +11326,6 @@
   <p:clrMapOvr>
     <a:masterClrMapping/>
   </p:clrMapOvr>
-  <p:timing>
-    <p:tnLst>
-      <p:par>
-        <p:cTn id="1" dur="indefinite" restart="never" nodeType="tmRoot"/>
-      </p:par>
-    </p:tnLst>
-  </p:timing>
 </p:sld>
 </file>
 
@@ -11649,7 +11364,7 @@
           <a:lstStyle/>
           <a:p>
             <a:r>
-              <a:rPr lang="ja-JP" altLang="en-US" dirty="0" smtClean="0"/>
+              <a:rPr lang="ja-JP" altLang="en-US" dirty="0"/>
               <a:t>評価実験</a:t>
             </a:r>
             <a:endParaRPr lang="en-US" dirty="0"/>
@@ -11679,7 +11394,7 @@
           <a:lstStyle/>
           <a:p>
             <a:r>
-              <a:rPr lang="en-US" altLang="ja-JP" sz="2400" dirty="0" smtClean="0">
+              <a:rPr lang="en-US" altLang="ja-JP" sz="2400" dirty="0">
                 <a:latin typeface="Times New Roman" panose="02020603050405020304" pitchFamily="18" charset="0"/>
                 <a:ea typeface="ＭＳ 明朝" panose="02020609040205080304" pitchFamily="17" charset="-128"/>
                 <a:cs typeface="Times New Roman" panose="02020603050405020304" pitchFamily="18" charset="0"/>
@@ -11687,7 +11402,7 @@
               <a:t>1. </a:t>
             </a:r>
             <a:r>
-              <a:rPr lang="ja-JP" altLang="en-US" sz="2400" dirty="0" smtClean="0">
+              <a:rPr lang="ja-JP" altLang="en-US" sz="2400" dirty="0">
                 <a:latin typeface="Times New Roman" panose="02020603050405020304" pitchFamily="18" charset="0"/>
                 <a:ea typeface="ＭＳ 明朝" panose="02020609040205080304" pitchFamily="17" charset="-128"/>
                 <a:cs typeface="Times New Roman" panose="02020603050405020304" pitchFamily="18" charset="0"/>
@@ -11695,7 +11410,7 @@
               <a:t>高速</a:t>
             </a:r>
             <a:r>
-              <a:rPr lang="en-US" altLang="ja-JP" sz="2400" dirty="0" smtClean="0">
+              <a:rPr lang="en-US" altLang="ja-JP" sz="2400" dirty="0">
                 <a:latin typeface="Times New Roman" panose="02020603050405020304" pitchFamily="18" charset="0"/>
                 <a:ea typeface="ＭＳ 明朝" panose="02020609040205080304" pitchFamily="17" charset="-128"/>
                 <a:cs typeface="Times New Roman" panose="02020603050405020304" pitchFamily="18" charset="0"/>
@@ -11703,14 +11418,14 @@
               <a:t>Cover-Heuristic</a:t>
             </a:r>
             <a:r>
-              <a:rPr lang="ja-JP" altLang="en-US" sz="2400" dirty="0" smtClean="0">
+              <a:rPr lang="ja-JP" altLang="en-US" sz="2400" dirty="0">
                 <a:latin typeface="Times New Roman" panose="02020603050405020304" pitchFamily="18" charset="0"/>
                 <a:ea typeface="ＭＳ 明朝" panose="02020609040205080304" pitchFamily="17" charset="-128"/>
                 <a:cs typeface="Times New Roman" panose="02020603050405020304" pitchFamily="18" charset="0"/>
               </a:rPr>
               <a:t>法の高速化割合</a:t>
             </a:r>
-            <a:endParaRPr lang="en-US" altLang="ja-JP" sz="2400" dirty="0" smtClean="0">
+            <a:endParaRPr lang="en-US" altLang="ja-JP" sz="2400" dirty="0">
               <a:latin typeface="Times New Roman" panose="02020603050405020304" pitchFamily="18" charset="0"/>
               <a:ea typeface="ＭＳ 明朝" panose="02020609040205080304" pitchFamily="17" charset="-128"/>
               <a:cs typeface="Times New Roman" panose="02020603050405020304" pitchFamily="18" charset="0"/>
@@ -11718,7 +11433,7 @@
           </a:p>
           <a:p>
             <a:r>
-              <a:rPr lang="ja-JP" altLang="en-US" dirty="0" smtClean="0">
+              <a:rPr lang="ja-JP" altLang="en-US" dirty="0">
                 <a:latin typeface="Times New Roman" panose="02020603050405020304" pitchFamily="18" charset="0"/>
                 <a:ea typeface="ＭＳ 明朝" panose="02020609040205080304" pitchFamily="17" charset="-128"/>
                 <a:cs typeface="Times New Roman" panose="02020603050405020304" pitchFamily="18" charset="0"/>
@@ -11726,7 +11441,7 @@
               <a:t>・</a:t>
             </a:r>
             <a:r>
-              <a:rPr lang="en-US" altLang="ja-JP" dirty="0" smtClean="0">
+              <a:rPr lang="en-US" altLang="ja-JP" dirty="0">
                 <a:latin typeface="Times New Roman" panose="02020603050405020304" pitchFamily="18" charset="0"/>
                 <a:ea typeface="ＭＳ 明朝" panose="02020609040205080304" pitchFamily="17" charset="-128"/>
                 <a:cs typeface="Times New Roman" panose="02020603050405020304" pitchFamily="18" charset="0"/>
@@ -11734,14 +11449,14 @@
               <a:t>Pursuer-cover-set</a:t>
             </a:r>
             <a:r>
-              <a:rPr lang="ja-JP" altLang="en-US" dirty="0" smtClean="0">
+              <a:rPr lang="ja-JP" altLang="en-US" dirty="0">
                 <a:latin typeface="Times New Roman" panose="02020603050405020304" pitchFamily="18" charset="0"/>
                 <a:ea typeface="ＭＳ 明朝" panose="02020609040205080304" pitchFamily="17" charset="-128"/>
                 <a:cs typeface="Times New Roman" panose="02020603050405020304" pitchFamily="18" charset="0"/>
               </a:rPr>
               <a:t>の平均計算時間</a:t>
             </a:r>
-            <a:endParaRPr lang="en-US" altLang="ja-JP" dirty="0" smtClean="0">
+            <a:endParaRPr lang="en-US" altLang="ja-JP" dirty="0">
               <a:latin typeface="Times New Roman" panose="02020603050405020304" pitchFamily="18" charset="0"/>
               <a:ea typeface="ＭＳ 明朝" panose="02020609040205080304" pitchFamily="17" charset="-128"/>
               <a:cs typeface="Times New Roman" panose="02020603050405020304" pitchFamily="18" charset="0"/>
@@ -11779,7 +11494,7 @@
               <a:t>2. </a:t>
             </a:r>
             <a:r>
-              <a:rPr lang="ja-JP" altLang="en-US" sz="2400" dirty="0" smtClean="0">
+              <a:rPr lang="ja-JP" altLang="en-US" sz="2400" dirty="0">
                 <a:latin typeface="Times New Roman" panose="02020603050405020304" pitchFamily="18" charset="0"/>
                 <a:ea typeface="ＭＳ 明朝" panose="02020609040205080304" pitchFamily="17" charset="-128"/>
                 <a:cs typeface="Times New Roman" panose="02020603050405020304" pitchFamily="18" charset="0"/>
@@ -11787,7 +11502,7 @@
               <a:t>提案手法と</a:t>
             </a:r>
             <a:r>
-              <a:rPr lang="en-US" altLang="ja-JP" sz="2400" dirty="0" smtClean="0">
+              <a:rPr lang="en-US" altLang="ja-JP" sz="2400" dirty="0">
                 <a:latin typeface="Times New Roman" panose="02020603050405020304" pitchFamily="18" charset="0"/>
                 <a:ea typeface="ＭＳ 明朝" panose="02020609040205080304" pitchFamily="17" charset="-128"/>
                 <a:cs typeface="Times New Roman" panose="02020603050405020304" pitchFamily="18" charset="0"/>
@@ -11795,14 +11510,14 @@
               <a:t>A star algorithm</a:t>
             </a:r>
             <a:r>
-              <a:rPr lang="ja-JP" altLang="en-US" sz="2400" dirty="0" smtClean="0">
+              <a:rPr lang="ja-JP" altLang="en-US" sz="2400" dirty="0">
                 <a:latin typeface="Times New Roman" panose="02020603050405020304" pitchFamily="18" charset="0"/>
                 <a:ea typeface="ＭＳ 明朝" panose="02020609040205080304" pitchFamily="17" charset="-128"/>
                 <a:cs typeface="Times New Roman" panose="02020603050405020304" pitchFamily="18" charset="0"/>
               </a:rPr>
               <a:t>の比較実験</a:t>
             </a:r>
-            <a:endParaRPr lang="en-US" altLang="ja-JP" sz="2400" dirty="0" smtClean="0">
+            <a:endParaRPr lang="en-US" altLang="ja-JP" sz="2400" dirty="0">
               <a:latin typeface="Times New Roman" panose="02020603050405020304" pitchFamily="18" charset="0"/>
               <a:ea typeface="ＭＳ 明朝" panose="02020609040205080304" pitchFamily="17" charset="-128"/>
               <a:cs typeface="Times New Roman" panose="02020603050405020304" pitchFamily="18" charset="0"/>
@@ -11810,7 +11525,7 @@
           </a:p>
           <a:p>
             <a:r>
-              <a:rPr lang="ja-JP" altLang="en-US" dirty="0" smtClean="0">
+              <a:rPr lang="ja-JP" altLang="en-US" dirty="0">
                 <a:latin typeface="Times New Roman" panose="02020603050405020304" pitchFamily="18" charset="0"/>
                 <a:ea typeface="ＭＳ 明朝" panose="02020609040205080304" pitchFamily="17" charset="-128"/>
                 <a:cs typeface="Times New Roman" panose="02020603050405020304" pitchFamily="18" charset="0"/>
@@ -11818,7 +11533,7 @@
               <a:t>・リアルタイム</a:t>
             </a:r>
             <a:r>
-              <a:rPr lang="en-US" altLang="ja-JP" dirty="0" smtClean="0">
+              <a:rPr lang="en-US" altLang="ja-JP" dirty="0">
                 <a:latin typeface="Times New Roman" panose="02020603050405020304" pitchFamily="18" charset="0"/>
                 <a:ea typeface="ＭＳ 明朝" panose="02020609040205080304" pitchFamily="17" charset="-128"/>
                 <a:cs typeface="Times New Roman" panose="02020603050405020304" pitchFamily="18" charset="0"/>
@@ -11834,7 +11549,7 @@
               <a:t> </a:t>
             </a:r>
             <a:r>
-              <a:rPr lang="en-US" altLang="ja-JP" dirty="0" smtClean="0">
+              <a:rPr lang="en-US" altLang="ja-JP" dirty="0">
                 <a:latin typeface="Times New Roman" panose="02020603050405020304" pitchFamily="18" charset="0"/>
                 <a:ea typeface="ＭＳ 明朝" panose="02020609040205080304" pitchFamily="17" charset="-128"/>
                 <a:cs typeface="Times New Roman" panose="02020603050405020304" pitchFamily="18" charset="0"/>
@@ -11844,18 +11559,13 @@
           </a:p>
           <a:p>
             <a:r>
-              <a:rPr lang="ja-JP" altLang="en-US" dirty="0" smtClean="0">
+              <a:rPr lang="ja-JP" altLang="en-US" dirty="0">
                 <a:latin typeface="Times New Roman" panose="02020603050405020304" pitchFamily="18" charset="0"/>
                 <a:ea typeface="ＭＳ 明朝" panose="02020609040205080304" pitchFamily="17" charset="-128"/>
                 <a:cs typeface="Times New Roman" panose="02020603050405020304" pitchFamily="18" charset="0"/>
               </a:rPr>
               <a:t>・成功率</a:t>
             </a:r>
-            <a:endParaRPr lang="ja-JP" altLang="en-US" dirty="0">
-              <a:latin typeface="Times New Roman" panose="02020603050405020304" pitchFamily="18" charset="0"/>
-              <a:ea typeface="ＭＳ 明朝" panose="02020609040205080304" pitchFamily="17" charset="-128"/>
-              <a:cs typeface="Times New Roman" panose="02020603050405020304" pitchFamily="18" charset="0"/>
-            </a:endParaRPr>
           </a:p>
         </p:txBody>
       </p:sp>
@@ -11869,13 +11579,6 @@
   <p:clrMapOvr>
     <a:masterClrMapping/>
   </p:clrMapOvr>
-  <p:timing>
-    <p:tnLst>
-      <p:par>
-        <p:cTn id="1" dur="indefinite" restart="never" nodeType="tmRoot"/>
-      </p:par>
-    </p:tnLst>
-  </p:timing>
 </p:sld>
 </file>
 
@@ -11914,7 +11617,7 @@
           <a:lstStyle/>
           <a:p>
             <a:r>
-              <a:rPr lang="ja-JP" altLang="en-US" dirty="0" smtClean="0"/>
+              <a:rPr lang="ja-JP" altLang="en-US" dirty="0"/>
               <a:t>評価実験</a:t>
             </a:r>
             <a:endParaRPr lang="en-US" dirty="0"/>
@@ -11944,14 +11647,14 @@
           <a:lstStyle/>
           <a:p>
             <a:r>
-              <a:rPr lang="ja-JP" altLang="en-US" sz="2400" dirty="0" smtClean="0">
+              <a:rPr lang="ja-JP" altLang="en-US" sz="2400" dirty="0">
                 <a:latin typeface="Times New Roman" panose="02020603050405020304" pitchFamily="18" charset="0"/>
                 <a:ea typeface="ＭＳ 明朝" panose="02020609040205080304" pitchFamily="17" charset="-128"/>
                 <a:cs typeface="Times New Roman" panose="02020603050405020304" pitchFamily="18" charset="0"/>
               </a:rPr>
               <a:t>ベンチマーク地図</a:t>
             </a:r>
-            <a:endParaRPr lang="en-US" altLang="ja-JP" dirty="0" smtClean="0">
+            <a:endParaRPr lang="en-US" altLang="ja-JP" dirty="0">
               <a:latin typeface="Times New Roman" panose="02020603050405020304" pitchFamily="18" charset="0"/>
               <a:ea typeface="ＭＳ 明朝" panose="02020609040205080304" pitchFamily="17" charset="-128"/>
               <a:cs typeface="Times New Roman" panose="02020603050405020304" pitchFamily="18" charset="0"/>
@@ -12058,7 +11761,7 @@
           <a:lstStyle/>
           <a:p>
             <a:r>
-              <a:rPr lang="en-US" altLang="zh-CN" dirty="0" smtClean="0"/>
+              <a:rPr lang="en-US" altLang="zh-CN" dirty="0"/>
               <a:t>Vacancy map</a:t>
             </a:r>
             <a:endParaRPr lang="zh-CN" altLang="en-US" dirty="0"/>
@@ -12088,7 +11791,7 @@
           <a:lstStyle/>
           <a:p>
             <a:r>
-              <a:rPr lang="en-US" altLang="zh-CN" dirty="0" smtClean="0"/>
+              <a:rPr lang="en-US" altLang="zh-CN" dirty="0"/>
               <a:t>Homemade map</a:t>
             </a:r>
             <a:endParaRPr lang="zh-CN" altLang="en-US" dirty="0"/>
@@ -12118,7 +11821,7 @@
           <a:lstStyle/>
           <a:p>
             <a:r>
-              <a:rPr lang="en-US" altLang="zh-CN" dirty="0" smtClean="0"/>
+              <a:rPr lang="en-US" altLang="zh-CN" dirty="0"/>
               <a:t>Maze map</a:t>
             </a:r>
             <a:endParaRPr lang="zh-CN" altLang="en-US" dirty="0"/>
@@ -12135,13 +11838,6 @@
   <p:clrMapOvr>
     <a:masterClrMapping/>
   </p:clrMapOvr>
-  <p:timing>
-    <p:tnLst>
-      <p:par>
-        <p:cTn id="1" dur="indefinite" restart="never" nodeType="tmRoot"/>
-      </p:par>
-    </p:tnLst>
-  </p:timing>
 </p:sld>
 </file>
 
@@ -12180,19 +11876,19 @@
           <a:lstStyle/>
           <a:p>
             <a:r>
-              <a:rPr lang="ja-JP" altLang="en-US" dirty="0" smtClean="0"/>
+              <a:rPr lang="ja-JP" altLang="en-US" dirty="0"/>
               <a:t>評価実験</a:t>
             </a:r>
             <a:r>
-              <a:rPr lang="ja-JP" altLang="en-US" sz="2800" dirty="0" smtClean="0"/>
+              <a:rPr lang="ja-JP" altLang="en-US" sz="2800" dirty="0"/>
               <a:t> </a:t>
             </a:r>
             <a:r>
-              <a:rPr lang="en-US" altLang="ja-JP" sz="2800" dirty="0" smtClean="0"/>
+              <a:rPr lang="en-US" altLang="ja-JP" sz="2800" dirty="0"/>
               <a:t>- </a:t>
             </a:r>
             <a:r>
-              <a:rPr lang="ja-JP" altLang="en-US" sz="2800" dirty="0" smtClean="0">
+              <a:rPr lang="ja-JP" altLang="en-US" sz="2800" dirty="0">
                 <a:latin typeface="Times New Roman" panose="02020603050405020304" pitchFamily="18" charset="0"/>
                 <a:ea typeface="ＭＳ 明朝" panose="02020609040205080304" pitchFamily="17" charset="-128"/>
                 <a:cs typeface="Times New Roman" panose="02020603050405020304" pitchFamily="18" charset="0"/>
@@ -12213,15 +11909,7 @@
                 <a:ea typeface="ＭＳ 明朝" panose="02020609040205080304" pitchFamily="17" charset="-128"/>
                 <a:cs typeface="Times New Roman" panose="02020603050405020304" pitchFamily="18" charset="0"/>
               </a:rPr>
-              <a:t>法の高速化</a:t>
-            </a:r>
-            <a:r>
-              <a:rPr lang="ja-JP" altLang="en-US" sz="2800" dirty="0" smtClean="0">
-                <a:latin typeface="Times New Roman" panose="02020603050405020304" pitchFamily="18" charset="0"/>
-                <a:ea typeface="ＭＳ 明朝" panose="02020609040205080304" pitchFamily="17" charset="-128"/>
-                <a:cs typeface="Times New Roman" panose="02020603050405020304" pitchFamily="18" charset="0"/>
-              </a:rPr>
-              <a:t>割合</a:t>
+              <a:t>法の高速化割合</a:t>
             </a:r>
             <a:endParaRPr lang="en-US" dirty="0"/>
           </a:p>
@@ -12255,28 +11943,28 @@
                 <a:gridCol w="2080180">
                   <a:extLst>
                     <a:ext uri="{9D8B030D-6E8A-4147-A177-3AD203B41FA5}">
-                      <a16:colId xmlns:a16="http://schemas.microsoft.com/office/drawing/2014/main" xmlns="" val="20000"/>
+                      <a16:colId xmlns:a16="http://schemas.microsoft.com/office/drawing/2014/main" val="20000"/>
                     </a:ext>
                   </a:extLst>
                 </a:gridCol>
                 <a:gridCol w="1591663">
                   <a:extLst>
                     <a:ext uri="{9D8B030D-6E8A-4147-A177-3AD203B41FA5}">
-                      <a16:colId xmlns:a16="http://schemas.microsoft.com/office/drawing/2014/main" xmlns="" val="20001"/>
+                      <a16:colId xmlns:a16="http://schemas.microsoft.com/office/drawing/2014/main" val="20001"/>
                     </a:ext>
                   </a:extLst>
                 </a:gridCol>
                 <a:gridCol w="1856559">
                   <a:extLst>
                     <a:ext uri="{9D8B030D-6E8A-4147-A177-3AD203B41FA5}">
-                      <a16:colId xmlns:a16="http://schemas.microsoft.com/office/drawing/2014/main" xmlns="" val="20002"/>
+                      <a16:colId xmlns:a16="http://schemas.microsoft.com/office/drawing/2014/main" val="20002"/>
                     </a:ext>
                   </a:extLst>
                 </a:gridCol>
                 <a:gridCol w="2376281">
                   <a:extLst>
                     <a:ext uri="{9D8B030D-6E8A-4147-A177-3AD203B41FA5}">
-                      <a16:colId xmlns:a16="http://schemas.microsoft.com/office/drawing/2014/main" xmlns="" val="20003"/>
+                      <a16:colId xmlns:a16="http://schemas.microsoft.com/office/drawing/2014/main" val="20003"/>
                     </a:ext>
                   </a:extLst>
                 </a:gridCol>
@@ -12331,13 +12019,13 @@
                         <a:t>法</a:t>
                       </a:r>
                       <a:r>
-                        <a:rPr lang="en-US" sz="1700" dirty="0" smtClean="0">
+                        <a:rPr lang="en-US" sz="1700" dirty="0">
                           <a:effectLst/>
                         </a:rPr>
                         <a:t>(</a:t>
                       </a:r>
                       <a:r>
-                        <a:rPr lang="en-US" sz="1700" dirty="0" err="1" smtClean="0">
+                        <a:rPr lang="en-US" sz="1700" dirty="0" err="1">
                           <a:effectLst/>
                         </a:rPr>
                         <a:t>ms</a:t>
@@ -12381,13 +12069,13 @@
                         <a:t>手法</a:t>
                       </a:r>
                       <a:r>
-                        <a:rPr lang="en-US" sz="1700" dirty="0" smtClean="0">
+                        <a:rPr lang="en-US" sz="1700" dirty="0">
                           <a:effectLst/>
                         </a:rPr>
                         <a:t>(</a:t>
                       </a:r>
                       <a:r>
-                        <a:rPr lang="en-US" sz="1700" dirty="0" err="1" smtClean="0">
+                        <a:rPr lang="en-US" sz="1700" dirty="0" err="1">
                           <a:effectLst/>
                         </a:rPr>
                         <a:t>ms</a:t>
@@ -12442,7 +12130,7 @@
                 </a:tc>
                 <a:extLst>
                   <a:ext uri="{0D108BD9-81ED-4DB2-BD59-A6C34878D82A}">
-                    <a16:rowId xmlns:a16="http://schemas.microsoft.com/office/drawing/2014/main" xmlns="" val="10000"/>
+                    <a16:rowId xmlns:a16="http://schemas.microsoft.com/office/drawing/2014/main" val="10000"/>
                   </a:ext>
                 </a:extLst>
               </a:tr>
@@ -12497,7 +12185,7 @@
                         </a:spcAft>
                       </a:pPr>
                       <a:r>
-                        <a:rPr lang="en-US" sz="2100" dirty="0" smtClean="0">
+                        <a:rPr lang="en-US" sz="2100" dirty="0">
                           <a:effectLst/>
                         </a:rPr>
                         <a:t>0.513</a:t>
@@ -12523,7 +12211,7 @@
                         </a:spcAft>
                       </a:pPr>
                       <a:r>
-                        <a:rPr lang="en-US" sz="2100" dirty="0" smtClean="0">
+                        <a:rPr lang="en-US" sz="2100" dirty="0">
                           <a:effectLst/>
                         </a:rPr>
                         <a:t>0.471</a:t>
@@ -12572,7 +12260,7 @@
                 </a:tc>
                 <a:extLst>
                   <a:ext uri="{0D108BD9-81ED-4DB2-BD59-A6C34878D82A}">
-                    <a16:rowId xmlns:a16="http://schemas.microsoft.com/office/drawing/2014/main" xmlns="" val="10001"/>
+                    <a16:rowId xmlns:a16="http://schemas.microsoft.com/office/drawing/2014/main" val="10001"/>
                   </a:ext>
                 </a:extLst>
               </a:tr>
@@ -12627,7 +12315,7 @@
                         </a:spcAft>
                       </a:pPr>
                       <a:r>
-                        <a:rPr lang="en-US" sz="2100" dirty="0" smtClean="0">
+                        <a:rPr lang="en-US" sz="2100" dirty="0">
                           <a:effectLst/>
                         </a:rPr>
                         <a:t>0.331</a:t>
@@ -12653,7 +12341,7 @@
                         </a:spcAft>
                       </a:pPr>
                       <a:r>
-                        <a:rPr lang="en-US" sz="2100" dirty="0" smtClean="0">
+                        <a:rPr lang="en-US" sz="2100" dirty="0">
                           <a:effectLst/>
                         </a:rPr>
                         <a:t>0.324</a:t>
@@ -12702,7 +12390,7 @@
                 </a:tc>
                 <a:extLst>
                   <a:ext uri="{0D108BD9-81ED-4DB2-BD59-A6C34878D82A}">
-                    <a16:rowId xmlns:a16="http://schemas.microsoft.com/office/drawing/2014/main" xmlns="" val="10002"/>
+                    <a16:rowId xmlns:a16="http://schemas.microsoft.com/office/drawing/2014/main" val="10002"/>
                   </a:ext>
                 </a:extLst>
               </a:tr>
@@ -12760,7 +12448,7 @@
                         </a:spcAft>
                       </a:pPr>
                       <a:r>
-                        <a:rPr lang="en-US" sz="2100" dirty="0" smtClean="0">
+                        <a:rPr lang="en-US" sz="2100" dirty="0">
                           <a:effectLst/>
                         </a:rPr>
                         <a:t>4.877</a:t>
@@ -12786,7 +12474,7 @@
                         </a:spcAft>
                       </a:pPr>
                       <a:r>
-                        <a:rPr lang="en-US" sz="2100" dirty="0" smtClean="0">
+                        <a:rPr lang="en-US" sz="2100" dirty="0">
                           <a:effectLst/>
                         </a:rPr>
                         <a:t>4.751</a:t>
@@ -12835,7 +12523,7 @@
                 </a:tc>
                 <a:extLst>
                   <a:ext uri="{0D108BD9-81ED-4DB2-BD59-A6C34878D82A}">
-                    <a16:rowId xmlns:a16="http://schemas.microsoft.com/office/drawing/2014/main" xmlns="" val="10003"/>
+                    <a16:rowId xmlns:a16="http://schemas.microsoft.com/office/drawing/2014/main" val="10003"/>
                   </a:ext>
                 </a:extLst>
               </a:tr>
@@ -12908,7 +12596,7 @@
           <a:lstStyle/>
           <a:p>
             <a:r>
-              <a:rPr lang="ja-JP" altLang="en-US" sz="2400" dirty="0" smtClean="0">
+              <a:rPr lang="ja-JP" altLang="en-US" sz="2400" dirty="0">
                 <a:latin typeface="Times New Roman" panose="02020603050405020304" pitchFamily="18" charset="0"/>
                 <a:ea typeface="ＭＳ 明朝" panose="02020609040205080304" pitchFamily="17" charset="-128"/>
                 <a:cs typeface="Times New Roman" panose="02020603050405020304" pitchFamily="18" charset="0"/>
@@ -12933,13 +12621,6 @@
   <p:clrMapOvr>
     <a:masterClrMapping/>
   </p:clrMapOvr>
-  <p:timing>
-    <p:tnLst>
-      <p:par>
-        <p:cTn id="1" dur="indefinite" restart="never" nodeType="tmRoot"/>
-      </p:par>
-    </p:tnLst>
-  </p:timing>
 </p:sld>
 </file>
 
@@ -12978,24 +12659,16 @@
           <a:lstStyle/>
           <a:p>
             <a:r>
-              <a:rPr lang="ja-JP" altLang="en-US" dirty="0" smtClean="0"/>
+              <a:rPr lang="ja-JP" altLang="en-US" dirty="0"/>
               <a:t>評価実験</a:t>
             </a:r>
             <a:r>
-              <a:rPr lang="ja-JP" altLang="en-US" sz="3600" dirty="0" smtClean="0"/>
+              <a:rPr lang="ja-JP" altLang="en-US" sz="3600" dirty="0"/>
               <a:t> </a:t>
             </a:r>
             <a:r>
-              <a:rPr lang="en-US" altLang="ja-JP" sz="3600" dirty="0" smtClean="0"/>
+              <a:rPr lang="en-US" altLang="ja-JP" sz="3600" dirty="0"/>
               <a:t>- </a:t>
-            </a:r>
-            <a:r>
-              <a:rPr lang="ja-JP" altLang="en-US" sz="2800" dirty="0" smtClean="0">
-                <a:latin typeface="Times New Roman" panose="02020603050405020304" pitchFamily="18" charset="0"/>
-                <a:ea typeface="ＭＳ 明朝" panose="02020609040205080304" pitchFamily="17" charset="-128"/>
-                <a:cs typeface="Times New Roman" panose="02020603050405020304" pitchFamily="18" charset="0"/>
-              </a:rPr>
-              <a:t>提案</a:t>
             </a:r>
             <a:r>
               <a:rPr lang="ja-JP" altLang="en-US" sz="2800" dirty="0">
@@ -13003,7 +12676,7 @@
                 <a:ea typeface="ＭＳ 明朝" panose="02020609040205080304" pitchFamily="17" charset="-128"/>
                 <a:cs typeface="Times New Roman" panose="02020603050405020304" pitchFamily="18" charset="0"/>
               </a:rPr>
-              <a:t>手法と</a:t>
+              <a:t>提案手法と</a:t>
             </a:r>
             <a:r>
               <a:rPr lang="en-US" altLang="ja-JP" sz="2800" dirty="0">
@@ -13019,15 +12692,7 @@
                 <a:ea typeface="ＭＳ 明朝" panose="02020609040205080304" pitchFamily="17" charset="-128"/>
                 <a:cs typeface="Times New Roman" panose="02020603050405020304" pitchFamily="18" charset="0"/>
               </a:rPr>
-              <a:t>の比較</a:t>
-            </a:r>
-            <a:r>
-              <a:rPr lang="ja-JP" altLang="en-US" sz="2800" dirty="0" smtClean="0">
-                <a:latin typeface="Times New Roman" panose="02020603050405020304" pitchFamily="18" charset="0"/>
-                <a:ea typeface="ＭＳ 明朝" panose="02020609040205080304" pitchFamily="17" charset="-128"/>
-                <a:cs typeface="Times New Roman" panose="02020603050405020304" pitchFamily="18" charset="0"/>
-              </a:rPr>
-              <a:t>実験</a:t>
+              <a:t>の比較実験</a:t>
             </a:r>
             <a:endParaRPr lang="en-US" dirty="0"/>
           </a:p>
@@ -13055,7 +12720,7 @@
           <a:lstStyle/>
           <a:p>
             <a:r>
-              <a:rPr lang="ja-JP" altLang="en-US" sz="2400" dirty="0" smtClean="0">
+              <a:rPr lang="ja-JP" altLang="en-US" sz="2400" dirty="0">
                 <a:latin typeface="Times New Roman" panose="02020603050405020304" pitchFamily="18" charset="0"/>
                 <a:ea typeface="ＭＳ 明朝" panose="02020609040205080304" pitchFamily="17" charset="-128"/>
                 <a:cs typeface="Times New Roman" panose="02020603050405020304" pitchFamily="18" charset="0"/>
@@ -13063,7 +12728,7 @@
               <a:t>考察：</a:t>
             </a:r>
             <a:r>
-              <a:rPr lang="en-US" altLang="ja-JP" sz="2400" dirty="0" smtClean="0">
+              <a:rPr lang="en-US" altLang="ja-JP" sz="2400" dirty="0">
                 <a:latin typeface="Times New Roman" panose="02020603050405020304" pitchFamily="18" charset="0"/>
                 <a:ea typeface="ＭＳ 明朝" panose="02020609040205080304" pitchFamily="17" charset="-128"/>
                 <a:cs typeface="Times New Roman" panose="02020603050405020304" pitchFamily="18" charset="0"/>
@@ -13071,7 +12736,7 @@
               <a:t>A star algorithm </a:t>
             </a:r>
             <a:r>
-              <a:rPr lang="ja-JP" altLang="en-US" sz="2400" dirty="0" smtClean="0">
+              <a:rPr lang="ja-JP" altLang="en-US" sz="2400" dirty="0">
                 <a:latin typeface="Times New Roman" panose="02020603050405020304" pitchFamily="18" charset="0"/>
                 <a:ea typeface="ＭＳ 明朝" panose="02020609040205080304" pitchFamily="17" charset="-128"/>
                 <a:cs typeface="Times New Roman" panose="02020603050405020304" pitchFamily="18" charset="0"/>
@@ -13120,13 +12785,6 @@
   <p:clrMapOvr>
     <a:masterClrMapping/>
   </p:clrMapOvr>
-  <p:timing>
-    <p:tnLst>
-      <p:par>
-        <p:cTn id="1" dur="indefinite" restart="never" nodeType="tmRoot"/>
-      </p:par>
-    </p:tnLst>
-  </p:timing>
 </p:sld>
 </file>
 
@@ -13163,7 +12821,7 @@
           <a:lstStyle/>
           <a:p>
             <a:r>
-              <a:rPr lang="ja-JP" altLang="en-US" dirty="0" smtClean="0"/>
+              <a:rPr lang="ja-JP" altLang="en-US" dirty="0"/>
               <a:t>目次</a:t>
             </a:r>
             <a:endParaRPr lang="zh-CN" altLang="en-US" dirty="0"/>
@@ -13189,20 +12847,20 @@
               <a:buAutoNum type="arabicPeriod"/>
             </a:pPr>
             <a:r>
-              <a:rPr lang="ja-JP" altLang="en-US" dirty="0" smtClean="0"/>
+              <a:rPr lang="ja-JP" altLang="en-US" dirty="0"/>
               <a:t>研究背景</a:t>
             </a:r>
-            <a:endParaRPr lang="en-US" altLang="ja-JP" dirty="0" smtClean="0"/>
+            <a:endParaRPr lang="en-US" altLang="ja-JP" dirty="0"/>
           </a:p>
           <a:p>
             <a:pPr marL="514350" indent="-514350">
               <a:buAutoNum type="arabicPeriod"/>
             </a:pPr>
             <a:r>
-              <a:rPr lang="ja-JP" altLang="en-US" dirty="0" smtClean="0"/>
+              <a:rPr lang="ja-JP" altLang="en-US" dirty="0"/>
               <a:t>問題定義</a:t>
             </a:r>
-            <a:endParaRPr lang="en-US" altLang="ja-JP" dirty="0" smtClean="0"/>
+            <a:endParaRPr lang="en-US" altLang="ja-JP" dirty="0"/>
           </a:p>
           <a:p>
             <a:pPr marL="514350" indent="-514350">
@@ -13210,33 +12868,29 @@
             </a:pPr>
             <a:r>
               <a:rPr lang="ja-JP" altLang="en-US" dirty="0"/>
-              <a:t>従来</a:t>
-            </a:r>
-            <a:r>
-              <a:rPr lang="ja-JP" altLang="en-US" dirty="0" smtClean="0"/>
-              <a:t>手法</a:t>
-            </a:r>
-            <a:endParaRPr lang="en-US" altLang="ja-JP" dirty="0" smtClean="0"/>
+              <a:t>従来手法</a:t>
+            </a:r>
+            <a:endParaRPr lang="en-US" altLang="ja-JP" dirty="0"/>
           </a:p>
           <a:p>
             <a:pPr marL="514350" indent="-514350">
               <a:buAutoNum type="arabicPeriod"/>
             </a:pPr>
             <a:r>
-              <a:rPr lang="ja-JP" altLang="en-US" dirty="0" smtClean="0"/>
+              <a:rPr lang="ja-JP" altLang="en-US" dirty="0"/>
               <a:t>提案手法</a:t>
             </a:r>
-            <a:endParaRPr lang="en-US" altLang="ja-JP" dirty="0" smtClean="0"/>
+            <a:endParaRPr lang="en-US" altLang="ja-JP" dirty="0"/>
           </a:p>
           <a:p>
             <a:pPr marL="514350" indent="-514350">
               <a:buAutoNum type="arabicPeriod"/>
             </a:pPr>
             <a:r>
-              <a:rPr lang="ja-JP" altLang="en-US" dirty="0" smtClean="0"/>
+              <a:rPr lang="ja-JP" altLang="en-US" dirty="0"/>
               <a:t>評価実験</a:t>
             </a:r>
-            <a:endParaRPr lang="en-US" altLang="ja-JP" dirty="0" smtClean="0"/>
+            <a:endParaRPr lang="en-US" altLang="ja-JP" dirty="0"/>
           </a:p>
           <a:p>
             <a:pPr marL="514350" indent="-514350">
@@ -13244,15 +12898,7 @@
             </a:pPr>
             <a:r>
               <a:rPr lang="ja-JP" altLang="en-US" dirty="0"/>
-              <a:t>今後</a:t>
-            </a:r>
-            <a:r>
-              <a:rPr lang="ja-JP" altLang="en-US" dirty="0" smtClean="0"/>
-              <a:t>の</a:t>
-            </a:r>
-            <a:r>
-              <a:rPr lang="ja-JP" altLang="en-US" dirty="0"/>
-              <a:t>課題</a:t>
+              <a:t>今後の課題</a:t>
             </a:r>
             <a:endParaRPr lang="zh-CN" altLang="en-US" dirty="0"/>
           </a:p>
@@ -13268,13 +12914,6 @@
   <p:clrMapOvr>
     <a:masterClrMapping/>
   </p:clrMapOvr>
-  <p:timing>
-    <p:tnLst>
-      <p:par>
-        <p:cTn id="1" dur="indefinite" restart="never" nodeType="tmRoot"/>
-      </p:par>
-    </p:tnLst>
-  </p:timing>
 </p:sld>
 </file>
 
@@ -13312,11 +12951,7 @@
           <a:p>
             <a:r>
               <a:rPr lang="ja-JP" altLang="en-US" dirty="0"/>
-              <a:t>今後</a:t>
-            </a:r>
-            <a:r>
-              <a:rPr lang="ja-JP" altLang="en-US" dirty="0" smtClean="0"/>
-              <a:t>の課題</a:t>
+              <a:t>今後の課題</a:t>
             </a:r>
             <a:endParaRPr lang="en-US" dirty="0"/>
           </a:p>
@@ -13338,34 +12973,26 @@
           <a:lstStyle/>
           <a:p>
             <a:r>
-              <a:rPr lang="ja-JP" altLang="en-US" dirty="0" smtClean="0"/>
+              <a:rPr lang="ja-JP" altLang="en-US" dirty="0"/>
               <a:t>より高速化</a:t>
             </a:r>
-            <a:endParaRPr lang="en-US" altLang="ja-JP" dirty="0" smtClean="0"/>
+            <a:endParaRPr lang="en-US" altLang="ja-JP" dirty="0"/>
           </a:p>
           <a:p>
             <a:pPr marL="0" indent="0">
               <a:buNone/>
             </a:pPr>
             <a:r>
-              <a:rPr lang="en-US" altLang="ja-JP" dirty="0" smtClean="0"/>
+              <a:rPr lang="en-US" altLang="ja-JP" dirty="0"/>
               <a:t>	- </a:t>
             </a:r>
             <a:r>
-              <a:rPr lang="ja-JP" altLang="en-US" dirty="0" smtClean="0"/>
-              <a:t>抽象化</a:t>
-            </a:r>
-            <a:r>
               <a:rPr lang="ja-JP" altLang="en-US" dirty="0"/>
-              <a:t>と詳細化</a:t>
+              <a:t>抽象化と詳細化</a:t>
             </a:r>
             <a:r>
               <a:rPr lang="en-US" altLang="ja-JP" dirty="0"/>
-              <a:t>(Abstraction &amp; Refinement</a:t>
-            </a:r>
-            <a:r>
-              <a:rPr lang="en-US" altLang="ja-JP" dirty="0" smtClean="0"/>
-              <a:t>)</a:t>
+              <a:t>(Abstraction &amp; Refinement)</a:t>
             </a:r>
           </a:p>
           <a:p>
@@ -13376,10 +13003,10 @@
           </a:p>
           <a:p>
             <a:r>
-              <a:rPr lang="ja-JP" altLang="en-US" dirty="0" smtClean="0"/>
+              <a:rPr lang="ja-JP" altLang="en-US" dirty="0"/>
               <a:t>ターゲットの逃げ方</a:t>
             </a:r>
-            <a:endParaRPr lang="en-US" altLang="ja-JP" dirty="0" smtClean="0"/>
+            <a:endParaRPr lang="en-US" altLang="ja-JP" dirty="0"/>
           </a:p>
         </p:txBody>
       </p:sp>
@@ -13393,13 +13020,6 @@
   <p:clrMapOvr>
     <a:masterClrMapping/>
   </p:clrMapOvr>
-  <p:timing>
-    <p:tnLst>
-      <p:par>
-        <p:cTn id="1" dur="indefinite" restart="never" nodeType="tmRoot"/>
-      </p:par>
-    </p:tnLst>
-  </p:timing>
 </p:sld>
 </file>
 
@@ -13444,7 +13064,7 @@
           <a:p>
             <a:pPr algn="ctr"/>
             <a:r>
-              <a:rPr lang="ja-JP" altLang="en-US" sz="3600" dirty="0" smtClean="0"/>
+              <a:rPr lang="ja-JP" altLang="en-US" sz="3600" dirty="0"/>
               <a:t>ご清聴ありがとうございました！</a:t>
             </a:r>
             <a:endParaRPr lang="zh-CN" altLang="en-US" sz="3600" dirty="0"/>
@@ -13461,13 +13081,6 @@
   <p:clrMapOvr>
     <a:masterClrMapping/>
   </p:clrMapOvr>
-  <p:timing>
-    <p:tnLst>
-      <p:par>
-        <p:cTn id="1" dur="indefinite" restart="never" nodeType="tmRoot"/>
-      </p:par>
-    </p:tnLst>
-  </p:timing>
 </p:sld>
 </file>
 
@@ -13638,17 +13251,6 @@
           <a:lstStyle/>
           <a:p>
             <a:r>
-              <a:rPr kumimoji="0" lang="ja-JP" altLang="en-US" sz="2000" dirty="0" smtClean="0">
-                <a:solidFill>
-                  <a:srgbClr val="222222"/>
-                </a:solidFill>
-                <a:latin typeface="ＭＳ 明朝" panose="02020609040205080304" pitchFamily="17" charset="-128"/>
-                <a:ea typeface="ＭＳ 明朝" panose="02020609040205080304" pitchFamily="17" charset="-128"/>
-                <a:cs typeface="Arial" panose="020B0604020202020204" pitchFamily="34" charset="0"/>
-              </a:rPr>
-              <a:t>狼</a:t>
-            </a:r>
-            <a:r>
               <a:rPr kumimoji="0" lang="ja-JP" altLang="en-US" sz="2000" dirty="0">
                 <a:solidFill>
                   <a:srgbClr val="222222"/>
@@ -13657,7 +13259,7 @@
                 <a:ea typeface="ＭＳ 明朝" panose="02020609040205080304" pitchFamily="17" charset="-128"/>
                 <a:cs typeface="Arial" panose="020B0604020202020204" pitchFamily="34" charset="0"/>
               </a:rPr>
-              <a:t>と獲物</a:t>
+              <a:t>狼と獲物</a:t>
             </a:r>
             <a:endParaRPr lang="en-US" sz="2000" dirty="0"/>
           </a:p>
@@ -13685,18 +13287,11 @@
           <a:lstStyle/>
           <a:p>
             <a:r>
-              <a:rPr lang="en-US" sz="2000" dirty="0" smtClean="0">
-                <a:latin typeface="Times New Roman" panose="02020603050405020304" pitchFamily="18" charset="0"/>
-                <a:cs typeface="Times New Roman" panose="02020603050405020304" pitchFamily="18" charset="0"/>
-              </a:rPr>
-              <a:t>Warcraft </a:t>
-            </a:r>
-            <a:r>
               <a:rPr lang="en-US" sz="2000" dirty="0">
                 <a:latin typeface="Times New Roman" panose="02020603050405020304" pitchFamily="18" charset="0"/>
                 <a:cs typeface="Times New Roman" panose="02020603050405020304" pitchFamily="18" charset="0"/>
               </a:rPr>
-              <a:t>3</a:t>
+              <a:t>Warcraft 3</a:t>
             </a:r>
           </a:p>
         </p:txBody>
@@ -13723,16 +13318,12 @@
           <a:lstStyle/>
           <a:p>
             <a:r>
-              <a:rPr lang="en-US" sz="2000" dirty="0" smtClean="0">
+              <a:rPr lang="en-US" sz="2000" dirty="0">
                 <a:latin typeface="Times New Roman" panose="02020603050405020304" pitchFamily="18" charset="0"/>
                 <a:cs typeface="Times New Roman" panose="02020603050405020304" pitchFamily="18" charset="0"/>
               </a:rPr>
               <a:t>Pacman</a:t>
             </a:r>
-            <a:endParaRPr lang="en-US" sz="2000" dirty="0">
-              <a:latin typeface="Times New Roman" panose="02020603050405020304" pitchFamily="18" charset="0"/>
-              <a:cs typeface="Times New Roman" panose="02020603050405020304" pitchFamily="18" charset="0"/>
-            </a:endParaRPr>
           </a:p>
         </p:txBody>
       </p:sp>
@@ -13759,20 +13350,12 @@
           <a:p>
             <a:pPr algn="ctr"/>
             <a:r>
-              <a:rPr lang="ja-JP" altLang="en-US" dirty="0" smtClean="0">
-                <a:latin typeface="Times New Roman" panose="02020603050405020304" pitchFamily="18" charset="0"/>
-                <a:ea typeface="ＭＳ 明朝" panose="02020609040205080304" pitchFamily="17" charset="-128"/>
-                <a:cs typeface="Times New Roman" panose="02020603050405020304" pitchFamily="18" charset="0"/>
-              </a:rPr>
-              <a:t>目的：マルチエージェント</a:t>
-            </a:r>
-            <a:r>
               <a:rPr lang="ja-JP" altLang="en-US" dirty="0">
                 <a:latin typeface="Times New Roman" panose="02020603050405020304" pitchFamily="18" charset="0"/>
                 <a:ea typeface="ＭＳ 明朝" panose="02020609040205080304" pitchFamily="17" charset="-128"/>
                 <a:cs typeface="Times New Roman" panose="02020603050405020304" pitchFamily="18" charset="0"/>
               </a:rPr>
-              <a:t>が協調して、単一移動対象に対する高速で有効な探索方法</a:t>
+              <a:t>目的：マルチエージェントが協調して、単一移動対象に対する高速で有効な探索方法</a:t>
             </a:r>
             <a:endParaRPr lang="en-US" altLang="zh-CN" dirty="0">
               <a:latin typeface="Times New Roman" panose="02020603050405020304" pitchFamily="18" charset="0"/>
@@ -13792,13 +13375,6 @@
   <p:clrMapOvr>
     <a:masterClrMapping/>
   </p:clrMapOvr>
-  <p:timing>
-    <p:tnLst>
-      <p:par>
-        <p:cTn id="1" dur="indefinite" restart="never" nodeType="tmRoot"/>
-      </p:par>
-    </p:tnLst>
-  </p:timing>
 </p:sld>
 </file>
 
@@ -13949,21 +13525,8 @@
             </a:pPr>
             <a:r>
               <a:rPr lang="en-US" altLang="ja-JP" dirty="0"/>
-              <a:t>    </a:t>
-            </a:r>
-            <a:r>
-              <a:rPr lang="en-US" altLang="ja-JP" dirty="0" smtClean="0"/>
-              <a:t>Smooth </a:t>
-            </a:r>
-            <a:r>
-              <a:rPr lang="en-US" altLang="ja-JP" dirty="0"/>
-              <a:t>frame rate for human </a:t>
-            </a:r>
-            <a:r>
-              <a:rPr lang="en-US" altLang="ja-JP" dirty="0" smtClean="0"/>
-              <a:t>eyes</a:t>
-            </a:r>
-            <a:endParaRPr lang="en-US" altLang="ja-JP" dirty="0"/>
+              <a:t>    Smooth frame rate for human eyes</a:t>
+            </a:r>
           </a:p>
           <a:p>
             <a:pPr marL="0" indent="0">
@@ -14049,13 +13612,6 @@
   <p:clrMapOvr>
     <a:masterClrMapping/>
   </p:clrMapOvr>
-  <p:timing>
-    <p:tnLst>
-      <p:par>
-        <p:cTn id="1" dur="indefinite" restart="never" nodeType="tmRoot"/>
-      </p:par>
-    </p:tnLst>
-  </p:timing>
 </p:sld>
 </file>
 
@@ -14092,16 +13648,12 @@
           <a:lstStyle/>
           <a:p>
             <a:r>
-              <a:rPr lang="ja-JP" altLang="en-US" dirty="0" smtClean="0"/>
+              <a:rPr lang="ja-JP" altLang="en-US" dirty="0"/>
               <a:t>従来手法 </a:t>
             </a:r>
             <a:r>
-              <a:rPr lang="en-US" altLang="ja-JP" sz="3600" dirty="0" smtClean="0"/>
-              <a:t>– </a:t>
-            </a:r>
-            <a:r>
               <a:rPr lang="en-US" altLang="ja-JP" sz="3600" dirty="0"/>
-              <a:t>Cover Heuristic </a:t>
+              <a:t>– Cover Heuristic </a:t>
             </a:r>
             <a:r>
               <a:rPr lang="ja-JP" altLang="en-US" sz="3600" dirty="0"/>
@@ -14363,13 +13915,6 @@
   <p:clrMapOvr>
     <a:masterClrMapping/>
   </p:clrMapOvr>
-  <p:timing>
-    <p:tnLst>
-      <p:par>
-        <p:cTn id="1" dur="indefinite" restart="never" nodeType="tmRoot"/>
-      </p:par>
-    </p:tnLst>
-  </p:timing>
 </p:sld>
 </file>
 
@@ -14407,19 +13952,11 @@
           <a:p>
             <a:r>
               <a:rPr lang="ja-JP" altLang="en-US" dirty="0"/>
-              <a:t>従来</a:t>
-            </a:r>
-            <a:r>
-              <a:rPr lang="ja-JP" altLang="en-US" dirty="0" smtClean="0"/>
-              <a:t>手法 </a:t>
-            </a:r>
-            <a:r>
-              <a:rPr lang="en-US" altLang="ja-JP" sz="3600" dirty="0" smtClean="0"/>
-              <a:t>– </a:t>
+              <a:t>従来手法 </a:t>
             </a:r>
             <a:r>
               <a:rPr lang="en-US" altLang="ja-JP" sz="3600" dirty="0"/>
-              <a:t>Cover Heuristic </a:t>
+              <a:t>– Cover Heuristic </a:t>
             </a:r>
             <a:r>
               <a:rPr lang="ja-JP" altLang="en-US" sz="3600" dirty="0"/>
@@ -14647,21 +14184,8 @@
                   <a:ea typeface="ＭＳ 明朝" panose="02020609040205080304" pitchFamily="17" charset="-128"/>
                   <a:cs typeface="Times New Roman" panose="02020603050405020304" pitchFamily="18" charset="0"/>
                 </a:rPr>
-                <a:t>障害物</a:t>
+                <a:t>障害物のタイル</a:t>
               </a:r>
-              <a:r>
-                <a:rPr lang="ja-JP" altLang="en-US" sz="1400" dirty="0" smtClean="0">
-                  <a:latin typeface="Times New Roman" panose="02020603050405020304" pitchFamily="18" charset="0"/>
-                  <a:ea typeface="ＭＳ 明朝" panose="02020609040205080304" pitchFamily="17" charset="-128"/>
-                  <a:cs typeface="Times New Roman" panose="02020603050405020304" pitchFamily="18" charset="0"/>
-                </a:rPr>
-                <a:t>のタイル</a:t>
-              </a:r>
-              <a:endParaRPr lang="ja-JP" altLang="en-US" sz="1400" dirty="0">
-                <a:latin typeface="Times New Roman" panose="02020603050405020304" pitchFamily="18" charset="0"/>
-                <a:ea typeface="ＭＳ 明朝" panose="02020609040205080304" pitchFamily="17" charset="-128"/>
-                <a:cs typeface="Times New Roman" panose="02020603050405020304" pitchFamily="18" charset="0"/>
-              </a:endParaRPr>
             </a:p>
           </p:txBody>
         </p:sp>
@@ -14688,7 +14212,7 @@
             <a:lstStyle/>
             <a:p>
               <a:r>
-                <a:rPr lang="en-US" altLang="ja-JP" sz="1400" dirty="0" smtClean="0">
+                <a:rPr lang="en-US" altLang="ja-JP" sz="1400" dirty="0">
                   <a:latin typeface="Times New Roman" panose="02020603050405020304" pitchFamily="18" charset="0"/>
                   <a:ea typeface="ＭＳ 明朝" panose="02020609040205080304" pitchFamily="17" charset="-128"/>
                   <a:cs typeface="Times New Roman" panose="02020603050405020304" pitchFamily="18" charset="0"/>
@@ -14696,18 +14220,13 @@
                 <a:t>Pursuer</a:t>
               </a:r>
               <a:r>
-                <a:rPr lang="ja-JP" altLang="en-US" sz="1400" dirty="0" smtClean="0">
+                <a:rPr lang="ja-JP" altLang="en-US" sz="1400" dirty="0">
                   <a:latin typeface="Times New Roman" panose="02020603050405020304" pitchFamily="18" charset="0"/>
                   <a:ea typeface="ＭＳ 明朝" panose="02020609040205080304" pitchFamily="17" charset="-128"/>
                   <a:cs typeface="Times New Roman" panose="02020603050405020304" pitchFamily="18" charset="0"/>
                 </a:rPr>
                 <a:t>のタイル</a:t>
               </a:r>
-              <a:endParaRPr lang="ja-JP" altLang="en-US" sz="1400" dirty="0">
-                <a:latin typeface="Times New Roman" panose="02020603050405020304" pitchFamily="18" charset="0"/>
-                <a:ea typeface="ＭＳ 明朝" panose="02020609040205080304" pitchFamily="17" charset="-128"/>
-                <a:cs typeface="Times New Roman" panose="02020603050405020304" pitchFamily="18" charset="0"/>
-              </a:endParaRPr>
             </a:p>
           </p:txBody>
         </p:sp>
@@ -14734,7 +14253,7 @@
             <a:lstStyle/>
             <a:p>
               <a:r>
-                <a:rPr lang="en-US" altLang="ja-JP" sz="1400" dirty="0" smtClean="0">
+                <a:rPr lang="en-US" altLang="ja-JP" sz="1400" dirty="0">
                   <a:latin typeface="Times New Roman" panose="02020603050405020304" pitchFamily="18" charset="0"/>
                   <a:ea typeface="ＭＳ 明朝" panose="02020609040205080304" pitchFamily="17" charset="-128"/>
                   <a:cs typeface="Times New Roman" panose="02020603050405020304" pitchFamily="18" charset="0"/>
@@ -14742,18 +14261,13 @@
                 <a:t>Pursuer</a:t>
               </a:r>
               <a:r>
-                <a:rPr lang="ja-JP" altLang="en-US" sz="1400" dirty="0" smtClean="0">
+                <a:rPr lang="ja-JP" altLang="en-US" sz="1400" dirty="0">
                   <a:latin typeface="Times New Roman" panose="02020603050405020304" pitchFamily="18" charset="0"/>
                   <a:ea typeface="ＭＳ 明朝" panose="02020609040205080304" pitchFamily="17" charset="-128"/>
                   <a:cs typeface="Times New Roman" panose="02020603050405020304" pitchFamily="18" charset="0"/>
                 </a:rPr>
                 <a:t>到達可能領域のタイル</a:t>
               </a:r>
-              <a:endParaRPr lang="ja-JP" altLang="en-US" sz="1400" dirty="0">
-                <a:latin typeface="Times New Roman" panose="02020603050405020304" pitchFamily="18" charset="0"/>
-                <a:ea typeface="ＭＳ 明朝" panose="02020609040205080304" pitchFamily="17" charset="-128"/>
-                <a:cs typeface="Times New Roman" panose="02020603050405020304" pitchFamily="18" charset="0"/>
-              </a:endParaRPr>
             </a:p>
           </p:txBody>
         </p:sp>
@@ -14780,7 +14294,7 @@
             <a:lstStyle/>
             <a:p>
               <a:r>
-                <a:rPr lang="en-US" altLang="ja-JP" sz="1400" dirty="0" smtClean="0">
+                <a:rPr lang="en-US" altLang="ja-JP" sz="1400" dirty="0">
                   <a:latin typeface="Times New Roman" panose="02020603050405020304" pitchFamily="18" charset="0"/>
                   <a:ea typeface="ＭＳ 明朝" panose="02020609040205080304" pitchFamily="17" charset="-128"/>
                   <a:cs typeface="Times New Roman" panose="02020603050405020304" pitchFamily="18" charset="0"/>
@@ -14788,18 +14302,13 @@
                 <a:t>Target</a:t>
               </a:r>
               <a:r>
-                <a:rPr lang="ja-JP" altLang="en-US" sz="1400" dirty="0" smtClean="0">
+                <a:rPr lang="ja-JP" altLang="en-US" sz="1400" dirty="0">
                   <a:latin typeface="Times New Roman" panose="02020603050405020304" pitchFamily="18" charset="0"/>
                   <a:ea typeface="ＭＳ 明朝" panose="02020609040205080304" pitchFamily="17" charset="-128"/>
                   <a:cs typeface="Times New Roman" panose="02020603050405020304" pitchFamily="18" charset="0"/>
                 </a:rPr>
                 <a:t>のタイル</a:t>
               </a:r>
-              <a:endParaRPr lang="ja-JP" altLang="en-US" sz="1400" dirty="0">
-                <a:latin typeface="Times New Roman" panose="02020603050405020304" pitchFamily="18" charset="0"/>
-                <a:ea typeface="ＭＳ 明朝" panose="02020609040205080304" pitchFamily="17" charset="-128"/>
-                <a:cs typeface="Times New Roman" panose="02020603050405020304" pitchFamily="18" charset="0"/>
-              </a:endParaRPr>
             </a:p>
           </p:txBody>
         </p:sp>
@@ -14826,7 +14335,7 @@
             <a:lstStyle/>
             <a:p>
               <a:r>
-                <a:rPr lang="en-US" altLang="ja-JP" sz="1400" dirty="0" smtClean="0">
+                <a:rPr lang="en-US" altLang="ja-JP" sz="1400" dirty="0">
                   <a:latin typeface="Times New Roman" panose="02020603050405020304" pitchFamily="18" charset="0"/>
                   <a:ea typeface="ＭＳ 明朝" panose="02020609040205080304" pitchFamily="17" charset="-128"/>
                   <a:cs typeface="Times New Roman" panose="02020603050405020304" pitchFamily="18" charset="0"/>
@@ -14839,21 +14348,8 @@
                   <a:ea typeface="ＭＳ 明朝" panose="02020609040205080304" pitchFamily="17" charset="-128"/>
                   <a:cs typeface="Times New Roman" panose="02020603050405020304" pitchFamily="18" charset="0"/>
                 </a:rPr>
-                <a:t>到達</a:t>
+                <a:t>到達可能領域のタイル</a:t>
               </a:r>
-              <a:r>
-                <a:rPr lang="ja-JP" altLang="en-US" sz="1400" dirty="0" smtClean="0">
-                  <a:latin typeface="Times New Roman" panose="02020603050405020304" pitchFamily="18" charset="0"/>
-                  <a:ea typeface="ＭＳ 明朝" panose="02020609040205080304" pitchFamily="17" charset="-128"/>
-                  <a:cs typeface="Times New Roman" panose="02020603050405020304" pitchFamily="18" charset="0"/>
-                </a:rPr>
-                <a:t>可能領域のタイル</a:t>
-              </a:r>
-              <a:endParaRPr lang="ja-JP" altLang="en-US" sz="1400" dirty="0">
-                <a:latin typeface="Times New Roman" panose="02020603050405020304" pitchFamily="18" charset="0"/>
-                <a:ea typeface="ＭＳ 明朝" panose="02020609040205080304" pitchFamily="17" charset="-128"/>
-                <a:cs typeface="Times New Roman" panose="02020603050405020304" pitchFamily="18" charset="0"/>
-              </a:endParaRPr>
             </a:p>
           </p:txBody>
         </p:sp>
@@ -15099,7 +14595,7 @@
         <p:spPr>
           <a:xfrm>
             <a:off x="5277394" y="1601546"/>
-            <a:ext cx="5103223" cy="2031325"/>
+            <a:ext cx="5103223" cy="2862322"/>
           </a:xfrm>
           <a:prstGeom prst="rect">
             <a:avLst/>
@@ -15113,34 +14609,68 @@
           <a:lstStyle/>
           <a:p>
             <a:r>
-              <a:rPr lang="ja-JP" altLang="en-US" dirty="0" smtClean="0"/>
+              <a:rPr lang="ja-JP" altLang="en-US" dirty="0"/>
               <a:t>計算例</a:t>
             </a:r>
             <a:r>
-              <a:rPr lang="en-US" altLang="ja-JP" dirty="0" smtClean="0"/>
+              <a:rPr lang="en-US" altLang="ja-JP" dirty="0"/>
               <a:t>:</a:t>
             </a:r>
             <a:r>
-              <a:rPr lang="ja-JP" altLang="en-US" dirty="0" smtClean="0"/>
+              <a:rPr lang="ja-JP" altLang="en-US" dirty="0"/>
               <a:t>　パーサ４つとターゲット１つ</a:t>
             </a:r>
-            <a:endParaRPr lang="en-US" altLang="ja-JP" dirty="0" smtClean="0"/>
-          </a:p>
-          <a:p>
-            <a:endParaRPr lang="en-US" altLang="zh-CN" dirty="0" smtClean="0"/>
-          </a:p>
-          <a:p>
-            <a:r>
-              <a:rPr lang="ja-JP" altLang="en-US" dirty="0" smtClean="0"/>
+            <a:endParaRPr lang="en-US" altLang="ja-JP" dirty="0"/>
+          </a:p>
+          <a:p>
+            <a:endParaRPr lang="en-US" altLang="zh-CN" dirty="0"/>
+          </a:p>
+          <a:p>
+            <a:r>
+              <a:rPr lang="ja-JP" altLang="en-US" dirty="0"/>
               <a:t>パーサに対する上下左右４つ方向に移動可能</a:t>
             </a:r>
-            <a:endParaRPr lang="en-US" altLang="ja-JP" dirty="0" smtClean="0"/>
-          </a:p>
-          <a:p>
-            <a:endParaRPr lang="en-US" altLang="ja-JP" dirty="0" smtClean="0"/>
-          </a:p>
-          <a:p>
-            <a:endParaRPr lang="en-US" altLang="ja-JP" dirty="0" smtClean="0"/>
+            <a:endParaRPr lang="en-US" altLang="ja-JP" dirty="0"/>
+          </a:p>
+          <a:p>
+            <a:endParaRPr lang="en-US" altLang="ja-JP" dirty="0"/>
+          </a:p>
+          <a:p>
+            <a:r>
+              <a:rPr lang="ja-JP" altLang="en-US" dirty="0"/>
+              <a:t>各方向に</a:t>
+            </a:r>
+            <a:r>
+              <a:rPr lang="en-US" altLang="ja-JP" dirty="0"/>
+              <a:t>Pursuer-cover-set</a:t>
+            </a:r>
+            <a:r>
+              <a:rPr lang="ja-JP" altLang="en-US" dirty="0"/>
+              <a:t>を計算する</a:t>
+            </a:r>
+            <a:endParaRPr lang="en-US" altLang="ja-JP" dirty="0"/>
+          </a:p>
+          <a:p>
+            <a:endParaRPr lang="en-US" altLang="ja-JP" dirty="0"/>
+          </a:p>
+          <a:p>
+            <a:r>
+              <a:rPr lang="en-US" altLang="ja-JP" dirty="0"/>
+              <a:t>Pursuer-cover: Pursuer</a:t>
+            </a:r>
+            <a:r>
+              <a:rPr lang="ja-JP" altLang="en-US" dirty="0"/>
+              <a:t>が</a:t>
+            </a:r>
+            <a:r>
+              <a:rPr lang="en-US" altLang="ja-JP" dirty="0"/>
+              <a:t>Target</a:t>
+            </a:r>
+            <a:r>
+              <a:rPr lang="ja-JP" altLang="en-US" dirty="0"/>
+              <a:t>より早く辿り着ける範囲</a:t>
+            </a:r>
+            <a:endParaRPr lang="en-US" altLang="ja-JP" dirty="0"/>
           </a:p>
           <a:p>
             <a:endParaRPr lang="en-US" altLang="zh-CN" dirty="0"/>
@@ -15160,13 +14690,6 @@
   <p:clrMapOvr>
     <a:masterClrMapping/>
   </p:clrMapOvr>
-  <p:timing>
-    <p:tnLst>
-      <p:par>
-        <p:cTn id="1" dur="indefinite" restart="never" nodeType="tmRoot"/>
-      </p:par>
-    </p:tnLst>
-  </p:timing>
 </p:sld>
 </file>
 
@@ -15204,19 +14727,11 @@
           <a:p>
             <a:r>
               <a:rPr lang="ja-JP" altLang="en-US" dirty="0"/>
-              <a:t>従来</a:t>
-            </a:r>
-            <a:r>
-              <a:rPr lang="ja-JP" altLang="en-US" dirty="0" smtClean="0"/>
-              <a:t>手法 </a:t>
-            </a:r>
-            <a:r>
-              <a:rPr lang="en-US" altLang="ja-JP" sz="3600" dirty="0" smtClean="0"/>
-              <a:t>– </a:t>
+              <a:t>従来手法 </a:t>
             </a:r>
             <a:r>
               <a:rPr lang="en-US" altLang="ja-JP" sz="3600" dirty="0"/>
-              <a:t>Cover Heuristic </a:t>
+              <a:t>– Cover Heuristic </a:t>
             </a:r>
             <a:r>
               <a:rPr lang="ja-JP" altLang="en-US" sz="3600" dirty="0"/>
@@ -15444,21 +14959,8 @@
                   <a:ea typeface="ＭＳ 明朝" panose="02020609040205080304" pitchFamily="17" charset="-128"/>
                   <a:cs typeface="Times New Roman" panose="02020603050405020304" pitchFamily="18" charset="0"/>
                 </a:rPr>
-                <a:t>障害物</a:t>
+                <a:t>障害物のタイル</a:t>
               </a:r>
-              <a:r>
-                <a:rPr lang="ja-JP" altLang="en-US" sz="1400" dirty="0" smtClean="0">
-                  <a:latin typeface="Times New Roman" panose="02020603050405020304" pitchFamily="18" charset="0"/>
-                  <a:ea typeface="ＭＳ 明朝" panose="02020609040205080304" pitchFamily="17" charset="-128"/>
-                  <a:cs typeface="Times New Roman" panose="02020603050405020304" pitchFamily="18" charset="0"/>
-                </a:rPr>
-                <a:t>のタイル</a:t>
-              </a:r>
-              <a:endParaRPr lang="ja-JP" altLang="en-US" sz="1400" dirty="0">
-                <a:latin typeface="Times New Roman" panose="02020603050405020304" pitchFamily="18" charset="0"/>
-                <a:ea typeface="ＭＳ 明朝" panose="02020609040205080304" pitchFamily="17" charset="-128"/>
-                <a:cs typeface="Times New Roman" panose="02020603050405020304" pitchFamily="18" charset="0"/>
-              </a:endParaRPr>
             </a:p>
           </p:txBody>
         </p:sp>
@@ -15485,7 +14987,7 @@
             <a:lstStyle/>
             <a:p>
               <a:r>
-                <a:rPr lang="en-US" altLang="ja-JP" sz="1400" dirty="0" smtClean="0">
+                <a:rPr lang="en-US" altLang="ja-JP" sz="1400" dirty="0">
                   <a:latin typeface="Times New Roman" panose="02020603050405020304" pitchFamily="18" charset="0"/>
                   <a:ea typeface="ＭＳ 明朝" panose="02020609040205080304" pitchFamily="17" charset="-128"/>
                   <a:cs typeface="Times New Roman" panose="02020603050405020304" pitchFamily="18" charset="0"/>
@@ -15493,18 +14995,13 @@
                 <a:t>Pursuer</a:t>
               </a:r>
               <a:r>
-                <a:rPr lang="ja-JP" altLang="en-US" sz="1400" dirty="0" smtClean="0">
+                <a:rPr lang="ja-JP" altLang="en-US" sz="1400" dirty="0">
                   <a:latin typeface="Times New Roman" panose="02020603050405020304" pitchFamily="18" charset="0"/>
                   <a:ea typeface="ＭＳ 明朝" panose="02020609040205080304" pitchFamily="17" charset="-128"/>
                   <a:cs typeface="Times New Roman" panose="02020603050405020304" pitchFamily="18" charset="0"/>
                 </a:rPr>
                 <a:t>のタイル</a:t>
               </a:r>
-              <a:endParaRPr lang="ja-JP" altLang="en-US" sz="1400" dirty="0">
-                <a:latin typeface="Times New Roman" panose="02020603050405020304" pitchFamily="18" charset="0"/>
-                <a:ea typeface="ＭＳ 明朝" panose="02020609040205080304" pitchFamily="17" charset="-128"/>
-                <a:cs typeface="Times New Roman" panose="02020603050405020304" pitchFamily="18" charset="0"/>
-              </a:endParaRPr>
             </a:p>
           </p:txBody>
         </p:sp>
@@ -15531,7 +15028,7 @@
             <a:lstStyle/>
             <a:p>
               <a:r>
-                <a:rPr lang="en-US" altLang="ja-JP" sz="1400" dirty="0" smtClean="0">
+                <a:rPr lang="en-US" altLang="ja-JP" sz="1400" dirty="0">
                   <a:latin typeface="Times New Roman" panose="02020603050405020304" pitchFamily="18" charset="0"/>
                   <a:ea typeface="ＭＳ 明朝" panose="02020609040205080304" pitchFamily="17" charset="-128"/>
                   <a:cs typeface="Times New Roman" panose="02020603050405020304" pitchFamily="18" charset="0"/>
@@ -15539,18 +15036,13 @@
                 <a:t>Pursuer</a:t>
               </a:r>
               <a:r>
-                <a:rPr lang="ja-JP" altLang="en-US" sz="1400" dirty="0" smtClean="0">
+                <a:rPr lang="ja-JP" altLang="en-US" sz="1400" dirty="0">
                   <a:latin typeface="Times New Roman" panose="02020603050405020304" pitchFamily="18" charset="0"/>
                   <a:ea typeface="ＭＳ 明朝" panose="02020609040205080304" pitchFamily="17" charset="-128"/>
                   <a:cs typeface="Times New Roman" panose="02020603050405020304" pitchFamily="18" charset="0"/>
                 </a:rPr>
                 <a:t>到達可能領域のタイル</a:t>
               </a:r>
-              <a:endParaRPr lang="ja-JP" altLang="en-US" sz="1400" dirty="0">
-                <a:latin typeface="Times New Roman" panose="02020603050405020304" pitchFamily="18" charset="0"/>
-                <a:ea typeface="ＭＳ 明朝" panose="02020609040205080304" pitchFamily="17" charset="-128"/>
-                <a:cs typeface="Times New Roman" panose="02020603050405020304" pitchFamily="18" charset="0"/>
-              </a:endParaRPr>
             </a:p>
           </p:txBody>
         </p:sp>
@@ -15577,7 +15069,7 @@
             <a:lstStyle/>
             <a:p>
               <a:r>
-                <a:rPr lang="en-US" altLang="ja-JP" sz="1400" dirty="0" smtClean="0">
+                <a:rPr lang="en-US" altLang="ja-JP" sz="1400" dirty="0">
                   <a:latin typeface="Times New Roman" panose="02020603050405020304" pitchFamily="18" charset="0"/>
                   <a:ea typeface="ＭＳ 明朝" panose="02020609040205080304" pitchFamily="17" charset="-128"/>
                   <a:cs typeface="Times New Roman" panose="02020603050405020304" pitchFamily="18" charset="0"/>
@@ -15585,18 +15077,13 @@
                 <a:t>Target</a:t>
               </a:r>
               <a:r>
-                <a:rPr lang="ja-JP" altLang="en-US" sz="1400" dirty="0" smtClean="0">
+                <a:rPr lang="ja-JP" altLang="en-US" sz="1400" dirty="0">
                   <a:latin typeface="Times New Roman" panose="02020603050405020304" pitchFamily="18" charset="0"/>
                   <a:ea typeface="ＭＳ 明朝" panose="02020609040205080304" pitchFamily="17" charset="-128"/>
                   <a:cs typeface="Times New Roman" panose="02020603050405020304" pitchFamily="18" charset="0"/>
                 </a:rPr>
                 <a:t>のタイル</a:t>
               </a:r>
-              <a:endParaRPr lang="ja-JP" altLang="en-US" sz="1400" dirty="0">
-                <a:latin typeface="Times New Roman" panose="02020603050405020304" pitchFamily="18" charset="0"/>
-                <a:ea typeface="ＭＳ 明朝" panose="02020609040205080304" pitchFamily="17" charset="-128"/>
-                <a:cs typeface="Times New Roman" panose="02020603050405020304" pitchFamily="18" charset="0"/>
-              </a:endParaRPr>
             </a:p>
           </p:txBody>
         </p:sp>
@@ -15623,7 +15110,7 @@
             <a:lstStyle/>
             <a:p>
               <a:r>
-                <a:rPr lang="en-US" altLang="ja-JP" sz="1400" dirty="0" smtClean="0">
+                <a:rPr lang="en-US" altLang="ja-JP" sz="1400" dirty="0">
                   <a:latin typeface="Times New Roman" panose="02020603050405020304" pitchFamily="18" charset="0"/>
                   <a:ea typeface="ＭＳ 明朝" panose="02020609040205080304" pitchFamily="17" charset="-128"/>
                   <a:cs typeface="Times New Roman" panose="02020603050405020304" pitchFamily="18" charset="0"/>
@@ -15636,21 +15123,8 @@
                   <a:ea typeface="ＭＳ 明朝" panose="02020609040205080304" pitchFamily="17" charset="-128"/>
                   <a:cs typeface="Times New Roman" panose="02020603050405020304" pitchFamily="18" charset="0"/>
                 </a:rPr>
-                <a:t>到達</a:t>
+                <a:t>到達可能領域のタイル</a:t>
               </a:r>
-              <a:r>
-                <a:rPr lang="ja-JP" altLang="en-US" sz="1400" dirty="0" smtClean="0">
-                  <a:latin typeface="Times New Roman" panose="02020603050405020304" pitchFamily="18" charset="0"/>
-                  <a:ea typeface="ＭＳ 明朝" panose="02020609040205080304" pitchFamily="17" charset="-128"/>
-                  <a:cs typeface="Times New Roman" panose="02020603050405020304" pitchFamily="18" charset="0"/>
-                </a:rPr>
-                <a:t>可能領域のタイル</a:t>
-              </a:r>
-              <a:endParaRPr lang="ja-JP" altLang="en-US" sz="1400" dirty="0">
-                <a:latin typeface="Times New Roman" panose="02020603050405020304" pitchFamily="18" charset="0"/>
-                <a:ea typeface="ＭＳ 明朝" panose="02020609040205080304" pitchFamily="17" charset="-128"/>
-                <a:cs typeface="Times New Roman" panose="02020603050405020304" pitchFamily="18" charset="0"/>
-              </a:endParaRPr>
             </a:p>
           </p:txBody>
         </p:sp>
@@ -15752,7 +15226,7 @@
             <a:p>
               <a:pPr algn="ctr"/>
               <a:r>
-                <a:rPr kumimoji="1" lang="en-US" altLang="ja-JP" b="1" dirty="0" smtClean="0"/>
+                <a:rPr kumimoji="1" lang="en-US" altLang="ja-JP" b="1" dirty="0"/>
                 <a:t>Priority Queue</a:t>
               </a:r>
               <a:endParaRPr kumimoji="1" lang="ja-JP" altLang="en-US" b="1" dirty="0"/>
@@ -15788,7 +15262,7 @@
               </a:lnSpc>
             </a:pPr>
             <a:r>
-              <a:rPr lang="en-US" altLang="ja-JP" sz="1200" dirty="0" smtClean="0"/>
+              <a:rPr lang="en-US" altLang="ja-JP" sz="1200" dirty="0"/>
               <a:t>[location, “Pursuer”, time = 0] </a:t>
             </a:r>
             <a:endParaRPr kumimoji="1" lang="ja-JP" altLang="en-US" sz="1200" dirty="0"/>
@@ -15870,7 +15344,7 @@
               </a:lnSpc>
             </a:pPr>
             <a:r>
-              <a:rPr lang="en-US" altLang="ja-JP" sz="1200" dirty="0" smtClean="0"/>
+              <a:rPr lang="en-US" altLang="ja-JP" sz="1200" dirty="0"/>
               <a:t>[location, “Pursuer”, time = 0] </a:t>
             </a:r>
             <a:endParaRPr kumimoji="1" lang="ja-JP" altLang="en-US" sz="1200" dirty="0"/>
@@ -15905,7 +15379,7 @@
               </a:lnSpc>
             </a:pPr>
             <a:r>
-              <a:rPr lang="en-US" altLang="ja-JP" sz="1200" dirty="0" smtClean="0"/>
+              <a:rPr lang="en-US" altLang="ja-JP" sz="1200" dirty="0"/>
               <a:t>[location, “Pursuer”, time = 0] </a:t>
             </a:r>
             <a:endParaRPr kumimoji="1" lang="ja-JP" altLang="en-US" sz="1200" dirty="0"/>
@@ -15940,7 +15414,7 @@
               </a:lnSpc>
             </a:pPr>
             <a:r>
-              <a:rPr lang="en-US" altLang="ja-JP" sz="1200" dirty="0" smtClean="0"/>
+              <a:rPr lang="en-US" altLang="ja-JP" sz="1200" dirty="0"/>
               <a:t>[location, “Pursuer”, time = 0] </a:t>
             </a:r>
             <a:endParaRPr kumimoji="1" lang="ja-JP" altLang="en-US" sz="1200" dirty="0"/>
@@ -15975,7 +15449,7 @@
               </a:lnSpc>
             </a:pPr>
             <a:r>
-              <a:rPr lang="en-US" altLang="ja-JP" sz="1200" dirty="0" smtClean="0"/>
+              <a:rPr lang="en-US" altLang="ja-JP" sz="1200" dirty="0"/>
               <a:t>[location, “Target”, time = 0] </a:t>
             </a:r>
             <a:endParaRPr kumimoji="1" lang="ja-JP" altLang="en-US" sz="1200" dirty="0"/>
@@ -16120,7 +15594,7 @@
               </a:lnSpc>
             </a:pPr>
             <a:r>
-              <a:rPr lang="en-US" altLang="ja-JP" sz="1200" dirty="0" smtClean="0"/>
+              <a:rPr lang="en-US" altLang="ja-JP" sz="1200" dirty="0"/>
               <a:t>[location, “Pursuer”, time = 1] </a:t>
             </a:r>
           </a:p>
@@ -16132,11 +15606,7 @@
             </a:pPr>
             <a:r>
               <a:rPr lang="en-US" altLang="ja-JP" sz="1200" dirty="0"/>
-              <a:t>[location, “Pursuer”, time = 1</a:t>
-            </a:r>
-            <a:r>
-              <a:rPr lang="en-US" altLang="ja-JP" sz="1200" dirty="0" smtClean="0"/>
-              <a:t>]</a:t>
+              <a:t>[location, “Pursuer”, time = 1]</a:t>
             </a:r>
           </a:p>
           <a:p>
@@ -16147,11 +15617,7 @@
             </a:pPr>
             <a:r>
               <a:rPr lang="en-US" altLang="ja-JP" sz="1200" dirty="0"/>
-              <a:t>[location, “Pursuer”, time = 1</a:t>
-            </a:r>
-            <a:r>
-              <a:rPr lang="en-US" altLang="ja-JP" sz="1200" dirty="0" smtClean="0"/>
-              <a:t>]</a:t>
+              <a:t>[location, “Pursuer”, time = 1]</a:t>
             </a:r>
           </a:p>
           <a:p>
@@ -16306,7 +15772,7 @@
               </a:lnSpc>
             </a:pPr>
             <a:r>
-              <a:rPr kumimoji="1" lang="en-US" altLang="ja-JP" sz="1200" dirty="0" smtClean="0"/>
+              <a:rPr kumimoji="1" lang="en-US" altLang="ja-JP" sz="1200" dirty="0"/>
               <a:t>…</a:t>
             </a:r>
             <a:endParaRPr kumimoji="1" lang="ja-JP" altLang="en-US" sz="1200" dirty="0"/>
@@ -17944,19 +17410,11 @@
           <a:p>
             <a:r>
               <a:rPr lang="ja-JP" altLang="en-US" dirty="0"/>
-              <a:t>従来</a:t>
-            </a:r>
-            <a:r>
-              <a:rPr lang="ja-JP" altLang="en-US" dirty="0" smtClean="0"/>
-              <a:t>手法 </a:t>
-            </a:r>
-            <a:r>
-              <a:rPr lang="en-US" altLang="ja-JP" sz="3600" dirty="0" smtClean="0"/>
-              <a:t>– </a:t>
+              <a:t>従来手法 </a:t>
             </a:r>
             <a:r>
               <a:rPr lang="en-US" altLang="ja-JP" sz="3600" dirty="0"/>
-              <a:t>Cover Heuristic </a:t>
+              <a:t>– Cover Heuristic </a:t>
             </a:r>
             <a:r>
               <a:rPr lang="ja-JP" altLang="en-US" sz="3600" dirty="0"/>
@@ -18184,21 +17642,8 @@
                   <a:ea typeface="ＭＳ 明朝" panose="02020609040205080304" pitchFamily="17" charset="-128"/>
                   <a:cs typeface="Times New Roman" panose="02020603050405020304" pitchFamily="18" charset="0"/>
                 </a:rPr>
-                <a:t>障害物</a:t>
+                <a:t>障害物のタイル</a:t>
               </a:r>
-              <a:r>
-                <a:rPr lang="ja-JP" altLang="en-US" sz="1400" dirty="0" smtClean="0">
-                  <a:latin typeface="Times New Roman" panose="02020603050405020304" pitchFamily="18" charset="0"/>
-                  <a:ea typeface="ＭＳ 明朝" panose="02020609040205080304" pitchFamily="17" charset="-128"/>
-                  <a:cs typeface="Times New Roman" panose="02020603050405020304" pitchFamily="18" charset="0"/>
-                </a:rPr>
-                <a:t>のタイル</a:t>
-              </a:r>
-              <a:endParaRPr lang="ja-JP" altLang="en-US" sz="1400" dirty="0">
-                <a:latin typeface="Times New Roman" panose="02020603050405020304" pitchFamily="18" charset="0"/>
-                <a:ea typeface="ＭＳ 明朝" panose="02020609040205080304" pitchFamily="17" charset="-128"/>
-                <a:cs typeface="Times New Roman" panose="02020603050405020304" pitchFamily="18" charset="0"/>
-              </a:endParaRPr>
             </a:p>
           </p:txBody>
         </p:sp>
@@ -18225,7 +17670,7 @@
             <a:lstStyle/>
             <a:p>
               <a:r>
-                <a:rPr lang="en-US" altLang="ja-JP" sz="1400" dirty="0" smtClean="0">
+                <a:rPr lang="en-US" altLang="ja-JP" sz="1400" dirty="0">
                   <a:latin typeface="Times New Roman" panose="02020603050405020304" pitchFamily="18" charset="0"/>
                   <a:ea typeface="ＭＳ 明朝" panose="02020609040205080304" pitchFamily="17" charset="-128"/>
                   <a:cs typeface="Times New Roman" panose="02020603050405020304" pitchFamily="18" charset="0"/>
@@ -18233,18 +17678,13 @@
                 <a:t>Pursuer</a:t>
               </a:r>
               <a:r>
-                <a:rPr lang="ja-JP" altLang="en-US" sz="1400" dirty="0" smtClean="0">
+                <a:rPr lang="ja-JP" altLang="en-US" sz="1400" dirty="0">
                   <a:latin typeface="Times New Roman" panose="02020603050405020304" pitchFamily="18" charset="0"/>
                   <a:ea typeface="ＭＳ 明朝" panose="02020609040205080304" pitchFamily="17" charset="-128"/>
                   <a:cs typeface="Times New Roman" panose="02020603050405020304" pitchFamily="18" charset="0"/>
                 </a:rPr>
                 <a:t>のタイル</a:t>
               </a:r>
-              <a:endParaRPr lang="ja-JP" altLang="en-US" sz="1400" dirty="0">
-                <a:latin typeface="Times New Roman" panose="02020603050405020304" pitchFamily="18" charset="0"/>
-                <a:ea typeface="ＭＳ 明朝" panose="02020609040205080304" pitchFamily="17" charset="-128"/>
-                <a:cs typeface="Times New Roman" panose="02020603050405020304" pitchFamily="18" charset="0"/>
-              </a:endParaRPr>
             </a:p>
           </p:txBody>
         </p:sp>
@@ -18271,7 +17711,7 @@
             <a:lstStyle/>
             <a:p>
               <a:r>
-                <a:rPr lang="en-US" altLang="ja-JP" sz="1400" dirty="0" smtClean="0">
+                <a:rPr lang="en-US" altLang="ja-JP" sz="1400" dirty="0">
                   <a:latin typeface="Times New Roman" panose="02020603050405020304" pitchFamily="18" charset="0"/>
                   <a:ea typeface="ＭＳ 明朝" panose="02020609040205080304" pitchFamily="17" charset="-128"/>
                   <a:cs typeface="Times New Roman" panose="02020603050405020304" pitchFamily="18" charset="0"/>
@@ -18279,18 +17719,13 @@
                 <a:t>Pursuer</a:t>
               </a:r>
               <a:r>
-                <a:rPr lang="ja-JP" altLang="en-US" sz="1400" dirty="0" smtClean="0">
+                <a:rPr lang="ja-JP" altLang="en-US" sz="1400" dirty="0">
                   <a:latin typeface="Times New Roman" panose="02020603050405020304" pitchFamily="18" charset="0"/>
                   <a:ea typeface="ＭＳ 明朝" panose="02020609040205080304" pitchFamily="17" charset="-128"/>
                   <a:cs typeface="Times New Roman" panose="02020603050405020304" pitchFamily="18" charset="0"/>
                 </a:rPr>
                 <a:t>到達可能領域のタイル</a:t>
               </a:r>
-              <a:endParaRPr lang="ja-JP" altLang="en-US" sz="1400" dirty="0">
-                <a:latin typeface="Times New Roman" panose="02020603050405020304" pitchFamily="18" charset="0"/>
-                <a:ea typeface="ＭＳ 明朝" panose="02020609040205080304" pitchFamily="17" charset="-128"/>
-                <a:cs typeface="Times New Roman" panose="02020603050405020304" pitchFamily="18" charset="0"/>
-              </a:endParaRPr>
             </a:p>
           </p:txBody>
         </p:sp>
@@ -18317,7 +17752,7 @@
             <a:lstStyle/>
             <a:p>
               <a:r>
-                <a:rPr lang="en-US" altLang="ja-JP" sz="1400" dirty="0" smtClean="0">
+                <a:rPr lang="en-US" altLang="ja-JP" sz="1400" dirty="0">
                   <a:latin typeface="Times New Roman" panose="02020603050405020304" pitchFamily="18" charset="0"/>
                   <a:ea typeface="ＭＳ 明朝" panose="02020609040205080304" pitchFamily="17" charset="-128"/>
                   <a:cs typeface="Times New Roman" panose="02020603050405020304" pitchFamily="18" charset="0"/>
@@ -18325,18 +17760,13 @@
                 <a:t>Target</a:t>
               </a:r>
               <a:r>
-                <a:rPr lang="ja-JP" altLang="en-US" sz="1400" dirty="0" smtClean="0">
+                <a:rPr lang="ja-JP" altLang="en-US" sz="1400" dirty="0">
                   <a:latin typeface="Times New Roman" panose="02020603050405020304" pitchFamily="18" charset="0"/>
                   <a:ea typeface="ＭＳ 明朝" panose="02020609040205080304" pitchFamily="17" charset="-128"/>
                   <a:cs typeface="Times New Roman" panose="02020603050405020304" pitchFamily="18" charset="0"/>
                 </a:rPr>
                 <a:t>のタイル</a:t>
               </a:r>
-              <a:endParaRPr lang="ja-JP" altLang="en-US" sz="1400" dirty="0">
-                <a:latin typeface="Times New Roman" panose="02020603050405020304" pitchFamily="18" charset="0"/>
-                <a:ea typeface="ＭＳ 明朝" panose="02020609040205080304" pitchFamily="17" charset="-128"/>
-                <a:cs typeface="Times New Roman" panose="02020603050405020304" pitchFamily="18" charset="0"/>
-              </a:endParaRPr>
             </a:p>
           </p:txBody>
         </p:sp>
@@ -18363,7 +17793,7 @@
             <a:lstStyle/>
             <a:p>
               <a:r>
-                <a:rPr lang="en-US" altLang="ja-JP" sz="1400" dirty="0" smtClean="0">
+                <a:rPr lang="en-US" altLang="ja-JP" sz="1400" dirty="0">
                   <a:latin typeface="Times New Roman" panose="02020603050405020304" pitchFamily="18" charset="0"/>
                   <a:ea typeface="ＭＳ 明朝" panose="02020609040205080304" pitchFamily="17" charset="-128"/>
                   <a:cs typeface="Times New Roman" panose="02020603050405020304" pitchFamily="18" charset="0"/>
@@ -18376,21 +17806,8 @@
                   <a:ea typeface="ＭＳ 明朝" panose="02020609040205080304" pitchFamily="17" charset="-128"/>
                   <a:cs typeface="Times New Roman" panose="02020603050405020304" pitchFamily="18" charset="0"/>
                 </a:rPr>
-                <a:t>到達</a:t>
+                <a:t>到達可能領域のタイル</a:t>
               </a:r>
-              <a:r>
-                <a:rPr lang="ja-JP" altLang="en-US" sz="1400" dirty="0" smtClean="0">
-                  <a:latin typeface="Times New Roman" panose="02020603050405020304" pitchFamily="18" charset="0"/>
-                  <a:ea typeface="ＭＳ 明朝" panose="02020609040205080304" pitchFamily="17" charset="-128"/>
-                  <a:cs typeface="Times New Roman" panose="02020603050405020304" pitchFamily="18" charset="0"/>
-                </a:rPr>
-                <a:t>可能領域のタイル</a:t>
-              </a:r>
-              <a:endParaRPr lang="ja-JP" altLang="en-US" sz="1400" dirty="0">
-                <a:latin typeface="Times New Roman" panose="02020603050405020304" pitchFamily="18" charset="0"/>
-                <a:ea typeface="ＭＳ 明朝" panose="02020609040205080304" pitchFamily="17" charset="-128"/>
-                <a:cs typeface="Times New Roman" panose="02020603050405020304" pitchFamily="18" charset="0"/>
-              </a:endParaRPr>
             </a:p>
           </p:txBody>
         </p:sp>
@@ -18492,7 +17909,7 @@
             <a:p>
               <a:pPr algn="ctr"/>
               <a:r>
-                <a:rPr kumimoji="1" lang="en-US" altLang="ja-JP" b="1" dirty="0" smtClean="0"/>
+                <a:rPr kumimoji="1" lang="en-US" altLang="ja-JP" b="1" dirty="0"/>
                 <a:t>Priority Queue</a:t>
               </a:r>
               <a:endParaRPr kumimoji="1" lang="ja-JP" altLang="en-US" b="1" dirty="0"/>
@@ -18570,7 +17987,7 @@
                 </a:lnSpc>
               </a:pPr>
               <a:r>
-                <a:rPr lang="en-US" altLang="ja-JP" sz="1200" dirty="0" smtClean="0"/>
+                <a:rPr lang="en-US" altLang="ja-JP" sz="1200" dirty="0"/>
                 <a:t>[location, “Pursuer”, time = 3] </a:t>
               </a:r>
               <a:endParaRPr kumimoji="1" lang="ja-JP" altLang="en-US" sz="1200" dirty="0"/>
@@ -18605,7 +18022,7 @@
                 </a:lnSpc>
               </a:pPr>
               <a:r>
-                <a:rPr lang="en-US" altLang="ja-JP" sz="1200" dirty="0" smtClean="0"/>
+                <a:rPr lang="en-US" altLang="ja-JP" sz="1200" dirty="0"/>
                 <a:t>[location, “Pursuer”, time = 3] </a:t>
               </a:r>
               <a:endParaRPr kumimoji="1" lang="ja-JP" altLang="en-US" sz="1200" dirty="0"/>
@@ -18640,7 +18057,7 @@
                 </a:lnSpc>
               </a:pPr>
               <a:r>
-                <a:rPr lang="en-US" altLang="ja-JP" sz="1200" dirty="0" smtClean="0"/>
+                <a:rPr lang="en-US" altLang="ja-JP" sz="1200" dirty="0"/>
                 <a:t>[location, “Pursuer”, time = 3] </a:t>
               </a:r>
               <a:endParaRPr kumimoji="1" lang="ja-JP" altLang="en-US" sz="1200" dirty="0"/>
@@ -18675,7 +18092,7 @@
                 </a:lnSpc>
               </a:pPr>
               <a:r>
-                <a:rPr lang="en-US" altLang="ja-JP" sz="1200" dirty="0" smtClean="0"/>
+                <a:rPr lang="en-US" altLang="ja-JP" sz="1200" dirty="0"/>
                 <a:t>[location, “Pursuer”, time = 3] </a:t>
               </a:r>
               <a:endParaRPr kumimoji="1" lang="ja-JP" altLang="en-US" sz="1200" dirty="0"/>
@@ -18710,7 +18127,7 @@
                 </a:lnSpc>
               </a:pPr>
               <a:r>
-                <a:rPr lang="en-US" altLang="ja-JP" sz="1200" dirty="0" smtClean="0"/>
+                <a:rPr lang="en-US" altLang="ja-JP" sz="1200" dirty="0"/>
                 <a:t>[location, “Target”, time = 3] </a:t>
               </a:r>
               <a:endParaRPr kumimoji="1" lang="ja-JP" altLang="en-US" sz="1200" dirty="0"/>
@@ -18745,7 +18162,7 @@
                 </a:lnSpc>
               </a:pPr>
               <a:r>
-                <a:rPr lang="en-US" altLang="ja-JP" sz="1200" dirty="0" smtClean="0"/>
+                <a:rPr lang="en-US" altLang="ja-JP" sz="1200" dirty="0"/>
                 <a:t>…</a:t>
               </a:r>
               <a:endParaRPr kumimoji="1" lang="ja-JP" altLang="en-US" sz="1200" dirty="0"/>
@@ -18828,14 +18245,14 @@
           <a:lstStyle/>
           <a:p>
             <a:r>
-              <a:rPr lang="en-US" altLang="zh-CN" dirty="0" smtClean="0"/>
+              <a:rPr lang="en-US" altLang="zh-CN" dirty="0"/>
               <a:t>Pursuer-cover-set:</a:t>
             </a:r>
           </a:p>
           <a:p>
             <a:pPr algn="ctr"/>
             <a:r>
-              <a:rPr lang="en-US" altLang="zh-CN" dirty="0" smtClean="0"/>
+              <a:rPr lang="en-US" altLang="zh-CN" dirty="0"/>
               <a:t>85</a:t>
             </a:r>
             <a:endParaRPr lang="zh-CN" altLang="en-US" dirty="0"/>
@@ -19119,19 +18536,11 @@
           <a:p>
             <a:r>
               <a:rPr lang="ja-JP" altLang="en-US" dirty="0"/>
-              <a:t>従来</a:t>
-            </a:r>
-            <a:r>
-              <a:rPr lang="ja-JP" altLang="en-US" dirty="0" smtClean="0"/>
-              <a:t>手法 </a:t>
-            </a:r>
-            <a:r>
-              <a:rPr lang="en-US" altLang="ja-JP" sz="3600" dirty="0" smtClean="0"/>
-              <a:t>– </a:t>
+              <a:t>従来手法 </a:t>
             </a:r>
             <a:r>
               <a:rPr lang="en-US" altLang="ja-JP" sz="3600" dirty="0"/>
-              <a:t>Cover Heuristic </a:t>
+              <a:t>– Cover Heuristic </a:t>
             </a:r>
             <a:r>
               <a:rPr lang="ja-JP" altLang="en-US" sz="3600" dirty="0"/>
@@ -19359,21 +18768,8 @@
                   <a:ea typeface="ＭＳ 明朝" panose="02020609040205080304" pitchFamily="17" charset="-128"/>
                   <a:cs typeface="Times New Roman" panose="02020603050405020304" pitchFamily="18" charset="0"/>
                 </a:rPr>
-                <a:t>障害物</a:t>
+                <a:t>障害物のタイル</a:t>
               </a:r>
-              <a:r>
-                <a:rPr lang="ja-JP" altLang="en-US" sz="1400" dirty="0" smtClean="0">
-                  <a:latin typeface="Times New Roman" panose="02020603050405020304" pitchFamily="18" charset="0"/>
-                  <a:ea typeface="ＭＳ 明朝" panose="02020609040205080304" pitchFamily="17" charset="-128"/>
-                  <a:cs typeface="Times New Roman" panose="02020603050405020304" pitchFamily="18" charset="0"/>
-                </a:rPr>
-                <a:t>のタイル</a:t>
-              </a:r>
-              <a:endParaRPr lang="ja-JP" altLang="en-US" sz="1400" dirty="0">
-                <a:latin typeface="Times New Roman" panose="02020603050405020304" pitchFamily="18" charset="0"/>
-                <a:ea typeface="ＭＳ 明朝" panose="02020609040205080304" pitchFamily="17" charset="-128"/>
-                <a:cs typeface="Times New Roman" panose="02020603050405020304" pitchFamily="18" charset="0"/>
-              </a:endParaRPr>
             </a:p>
           </p:txBody>
         </p:sp>
@@ -19400,7 +18796,7 @@
             <a:lstStyle/>
             <a:p>
               <a:r>
-                <a:rPr lang="en-US" altLang="ja-JP" sz="1400" dirty="0" smtClean="0">
+                <a:rPr lang="en-US" altLang="ja-JP" sz="1400" dirty="0">
                   <a:latin typeface="Times New Roman" panose="02020603050405020304" pitchFamily="18" charset="0"/>
                   <a:ea typeface="ＭＳ 明朝" panose="02020609040205080304" pitchFamily="17" charset="-128"/>
                   <a:cs typeface="Times New Roman" panose="02020603050405020304" pitchFamily="18" charset="0"/>
@@ -19408,18 +18804,13 @@
                 <a:t>Pursuer</a:t>
               </a:r>
               <a:r>
-                <a:rPr lang="ja-JP" altLang="en-US" sz="1400" dirty="0" smtClean="0">
+                <a:rPr lang="ja-JP" altLang="en-US" sz="1400" dirty="0">
                   <a:latin typeface="Times New Roman" panose="02020603050405020304" pitchFamily="18" charset="0"/>
                   <a:ea typeface="ＭＳ 明朝" panose="02020609040205080304" pitchFamily="17" charset="-128"/>
                   <a:cs typeface="Times New Roman" panose="02020603050405020304" pitchFamily="18" charset="0"/>
                 </a:rPr>
                 <a:t>のタイル</a:t>
               </a:r>
-              <a:endParaRPr lang="ja-JP" altLang="en-US" sz="1400" dirty="0">
-                <a:latin typeface="Times New Roman" panose="02020603050405020304" pitchFamily="18" charset="0"/>
-                <a:ea typeface="ＭＳ 明朝" panose="02020609040205080304" pitchFamily="17" charset="-128"/>
-                <a:cs typeface="Times New Roman" panose="02020603050405020304" pitchFamily="18" charset="0"/>
-              </a:endParaRPr>
             </a:p>
           </p:txBody>
         </p:sp>
@@ -19446,7 +18837,7 @@
             <a:lstStyle/>
             <a:p>
               <a:r>
-                <a:rPr lang="en-US" altLang="ja-JP" sz="1400" dirty="0" smtClean="0">
+                <a:rPr lang="en-US" altLang="ja-JP" sz="1400" dirty="0">
                   <a:latin typeface="Times New Roman" panose="02020603050405020304" pitchFamily="18" charset="0"/>
                   <a:ea typeface="ＭＳ 明朝" panose="02020609040205080304" pitchFamily="17" charset="-128"/>
                   <a:cs typeface="Times New Roman" panose="02020603050405020304" pitchFamily="18" charset="0"/>
@@ -19454,18 +18845,13 @@
                 <a:t>Pursuer</a:t>
               </a:r>
               <a:r>
-                <a:rPr lang="ja-JP" altLang="en-US" sz="1400" dirty="0" smtClean="0">
+                <a:rPr lang="ja-JP" altLang="en-US" sz="1400" dirty="0">
                   <a:latin typeface="Times New Roman" panose="02020603050405020304" pitchFamily="18" charset="0"/>
                   <a:ea typeface="ＭＳ 明朝" panose="02020609040205080304" pitchFamily="17" charset="-128"/>
                   <a:cs typeface="Times New Roman" panose="02020603050405020304" pitchFamily="18" charset="0"/>
                 </a:rPr>
                 <a:t>到達可能領域のタイル</a:t>
               </a:r>
-              <a:endParaRPr lang="ja-JP" altLang="en-US" sz="1400" dirty="0">
-                <a:latin typeface="Times New Roman" panose="02020603050405020304" pitchFamily="18" charset="0"/>
-                <a:ea typeface="ＭＳ 明朝" panose="02020609040205080304" pitchFamily="17" charset="-128"/>
-                <a:cs typeface="Times New Roman" panose="02020603050405020304" pitchFamily="18" charset="0"/>
-              </a:endParaRPr>
             </a:p>
           </p:txBody>
         </p:sp>
@@ -19492,7 +18878,7 @@
             <a:lstStyle/>
             <a:p>
               <a:r>
-                <a:rPr lang="en-US" altLang="ja-JP" sz="1400" dirty="0" smtClean="0">
+                <a:rPr lang="en-US" altLang="ja-JP" sz="1400" dirty="0">
                   <a:latin typeface="Times New Roman" panose="02020603050405020304" pitchFamily="18" charset="0"/>
                   <a:ea typeface="ＭＳ 明朝" panose="02020609040205080304" pitchFamily="17" charset="-128"/>
                   <a:cs typeface="Times New Roman" panose="02020603050405020304" pitchFamily="18" charset="0"/>
@@ -19500,18 +18886,13 @@
                 <a:t>Target</a:t>
               </a:r>
               <a:r>
-                <a:rPr lang="ja-JP" altLang="en-US" sz="1400" dirty="0" smtClean="0">
+                <a:rPr lang="ja-JP" altLang="en-US" sz="1400" dirty="0">
                   <a:latin typeface="Times New Roman" panose="02020603050405020304" pitchFamily="18" charset="0"/>
                   <a:ea typeface="ＭＳ 明朝" panose="02020609040205080304" pitchFamily="17" charset="-128"/>
                   <a:cs typeface="Times New Roman" panose="02020603050405020304" pitchFamily="18" charset="0"/>
                 </a:rPr>
                 <a:t>のタイル</a:t>
               </a:r>
-              <a:endParaRPr lang="ja-JP" altLang="en-US" sz="1400" dirty="0">
-                <a:latin typeface="Times New Roman" panose="02020603050405020304" pitchFamily="18" charset="0"/>
-                <a:ea typeface="ＭＳ 明朝" panose="02020609040205080304" pitchFamily="17" charset="-128"/>
-                <a:cs typeface="Times New Roman" panose="02020603050405020304" pitchFamily="18" charset="0"/>
-              </a:endParaRPr>
             </a:p>
           </p:txBody>
         </p:sp>
@@ -19538,7 +18919,7 @@
             <a:lstStyle/>
             <a:p>
               <a:r>
-                <a:rPr lang="en-US" altLang="ja-JP" sz="1400" dirty="0" smtClean="0">
+                <a:rPr lang="en-US" altLang="ja-JP" sz="1400" dirty="0">
                   <a:latin typeface="Times New Roman" panose="02020603050405020304" pitchFamily="18" charset="0"/>
                   <a:ea typeface="ＭＳ 明朝" panose="02020609040205080304" pitchFamily="17" charset="-128"/>
                   <a:cs typeface="Times New Roman" panose="02020603050405020304" pitchFamily="18" charset="0"/>
@@ -19551,21 +18932,8 @@
                   <a:ea typeface="ＭＳ 明朝" panose="02020609040205080304" pitchFamily="17" charset="-128"/>
                   <a:cs typeface="Times New Roman" panose="02020603050405020304" pitchFamily="18" charset="0"/>
                 </a:rPr>
-                <a:t>到達</a:t>
+                <a:t>到達可能領域のタイル</a:t>
               </a:r>
-              <a:r>
-                <a:rPr lang="ja-JP" altLang="en-US" sz="1400" dirty="0" smtClean="0">
-                  <a:latin typeface="Times New Roman" panose="02020603050405020304" pitchFamily="18" charset="0"/>
-                  <a:ea typeface="ＭＳ 明朝" panose="02020609040205080304" pitchFamily="17" charset="-128"/>
-                  <a:cs typeface="Times New Roman" panose="02020603050405020304" pitchFamily="18" charset="0"/>
-                </a:rPr>
-                <a:t>可能領域のタイル</a:t>
-              </a:r>
-              <a:endParaRPr lang="ja-JP" altLang="en-US" sz="1400" dirty="0">
-                <a:latin typeface="Times New Roman" panose="02020603050405020304" pitchFamily="18" charset="0"/>
-                <a:ea typeface="ＭＳ 明朝" panose="02020609040205080304" pitchFamily="17" charset="-128"/>
-                <a:cs typeface="Times New Roman" panose="02020603050405020304" pitchFamily="18" charset="0"/>
-              </a:endParaRPr>
             </a:p>
           </p:txBody>
         </p:sp>
@@ -19835,46 +19203,46 @@
           <a:lstStyle/>
           <a:p>
             <a:r>
-              <a:rPr lang="ja-JP" altLang="en-US" dirty="0" smtClean="0"/>
+              <a:rPr lang="ja-JP" altLang="en-US" dirty="0"/>
               <a:t>計算例</a:t>
             </a:r>
             <a:r>
-              <a:rPr lang="en-US" altLang="ja-JP" dirty="0" smtClean="0"/>
+              <a:rPr lang="en-US" altLang="ja-JP" dirty="0"/>
               <a:t>:</a:t>
             </a:r>
             <a:r>
-              <a:rPr lang="ja-JP" altLang="en-US" dirty="0" smtClean="0"/>
+              <a:rPr lang="ja-JP" altLang="en-US" dirty="0"/>
               <a:t>　パーサ４つとターゲット１つ</a:t>
             </a:r>
-            <a:endParaRPr lang="en-US" altLang="ja-JP" dirty="0" smtClean="0"/>
-          </a:p>
-          <a:p>
-            <a:endParaRPr lang="en-US" altLang="zh-CN" dirty="0" smtClean="0"/>
-          </a:p>
-          <a:p>
-            <a:r>
-              <a:rPr lang="ja-JP" altLang="en-US" dirty="0" smtClean="0"/>
+            <a:endParaRPr lang="en-US" altLang="ja-JP" dirty="0"/>
+          </a:p>
+          <a:p>
+            <a:endParaRPr lang="en-US" altLang="zh-CN" dirty="0"/>
+          </a:p>
+          <a:p>
+            <a:r>
+              <a:rPr lang="ja-JP" altLang="en-US" dirty="0"/>
               <a:t>パーサに対する上下左右４つ方向に移動可能</a:t>
             </a:r>
-            <a:endParaRPr lang="en-US" altLang="ja-JP" dirty="0" smtClean="0"/>
-          </a:p>
-          <a:p>
             <a:endParaRPr lang="en-US" altLang="ja-JP" dirty="0"/>
           </a:p>
           <a:p>
-            <a:r>
-              <a:rPr lang="ja-JP" altLang="en-US" dirty="0" smtClean="0"/>
+            <a:endParaRPr lang="en-US" altLang="ja-JP" dirty="0"/>
+          </a:p>
+          <a:p>
+            <a:r>
+              <a:rPr lang="ja-JP" altLang="en-US" dirty="0"/>
               <a:t>各方向に</a:t>
             </a:r>
             <a:r>
-              <a:rPr lang="en-US" altLang="ja-JP" dirty="0" smtClean="0"/>
+              <a:rPr lang="en-US" altLang="ja-JP" dirty="0"/>
               <a:t>Pursuer-cover-set</a:t>
             </a:r>
             <a:r>
-              <a:rPr lang="ja-JP" altLang="en-US" dirty="0" smtClean="0"/>
+              <a:rPr lang="ja-JP" altLang="en-US" dirty="0"/>
               <a:t>を計算する</a:t>
             </a:r>
-            <a:endParaRPr lang="en-US" altLang="ja-JP" dirty="0" smtClean="0"/>
+            <a:endParaRPr lang="en-US" altLang="ja-JP" dirty="0"/>
           </a:p>
         </p:txBody>
       </p:sp>
@@ -19901,31 +19269,31 @@
           <a:lstStyle/>
           <a:p>
             <a:r>
-              <a:rPr lang="en-US" altLang="zh-CN" dirty="0" smtClean="0"/>
+              <a:rPr lang="en-US" altLang="zh-CN" dirty="0"/>
               <a:t>Pursuer-cover-set:</a:t>
             </a:r>
           </a:p>
           <a:p>
             <a:r>
-              <a:rPr lang="ja-JP" altLang="en-US" dirty="0" smtClean="0"/>
+              <a:rPr lang="ja-JP" altLang="en-US" dirty="0"/>
               <a:t>上 </a:t>
             </a:r>
             <a:r>
-              <a:rPr lang="en-US" altLang="ja-JP" dirty="0" smtClean="0"/>
+              <a:rPr lang="en-US" altLang="ja-JP" dirty="0"/>
               <a:t>- 83</a:t>
             </a:r>
           </a:p>
           <a:p>
             <a:r>
-              <a:rPr lang="ja-JP" altLang="en-US" dirty="0" smtClean="0"/>
+              <a:rPr lang="ja-JP" altLang="en-US" dirty="0"/>
               <a:t>下 </a:t>
             </a:r>
             <a:r>
-              <a:rPr lang="en-US" altLang="ja-JP" dirty="0" smtClean="0"/>
+              <a:rPr lang="en-US" altLang="ja-JP" dirty="0"/>
               <a:t>- </a:t>
             </a:r>
             <a:r>
-              <a:rPr lang="en-US" altLang="ja-JP" b="1" dirty="0" smtClean="0">
+              <a:rPr lang="en-US" altLang="ja-JP" b="1" dirty="0">
                 <a:solidFill>
                   <a:srgbClr val="FF0000"/>
                 </a:solidFill>
@@ -19935,21 +19303,21 @@
           </a:p>
           <a:p>
             <a:r>
-              <a:rPr lang="ja-JP" altLang="en-US" dirty="0" smtClean="0"/>
+              <a:rPr lang="ja-JP" altLang="en-US" dirty="0"/>
               <a:t>左 </a:t>
             </a:r>
             <a:r>
-              <a:rPr lang="en-US" altLang="ja-JP" dirty="0" smtClean="0"/>
+              <a:rPr lang="en-US" altLang="ja-JP" dirty="0"/>
               <a:t>- 83</a:t>
             </a:r>
           </a:p>
           <a:p>
             <a:r>
-              <a:rPr lang="ja-JP" altLang="en-US" dirty="0" smtClean="0"/>
+              <a:rPr lang="ja-JP" altLang="en-US" dirty="0"/>
               <a:t>右 </a:t>
             </a:r>
             <a:r>
-              <a:rPr lang="en-US" altLang="ja-JP" dirty="0" smtClean="0"/>
+              <a:rPr lang="en-US" altLang="ja-JP" dirty="0"/>
               <a:t>- 85</a:t>
             </a:r>
             <a:endParaRPr lang="zh-CN" altLang="en-US" dirty="0"/>
@@ -19979,11 +19347,11 @@
           <a:lstStyle/>
           <a:p>
             <a:r>
-              <a:rPr lang="ja-JP" altLang="en-US" dirty="0" smtClean="0"/>
+              <a:rPr lang="ja-JP" altLang="en-US" dirty="0"/>
               <a:t>結果：</a:t>
             </a:r>
             <a:r>
-              <a:rPr lang="ja-JP" altLang="en-US" b="1" dirty="0" smtClean="0">
+              <a:rPr lang="ja-JP" altLang="en-US" b="1" dirty="0">
                 <a:solidFill>
                   <a:srgbClr val="FF0000"/>
                 </a:solidFill>
@@ -19991,7 +19359,7 @@
               <a:t>下</a:t>
             </a:r>
             <a:r>
-              <a:rPr lang="ja-JP" altLang="en-US" dirty="0" smtClean="0"/>
+              <a:rPr lang="ja-JP" altLang="en-US" dirty="0"/>
               <a:t>のタイルに移動する</a:t>
             </a:r>
             <a:endParaRPr lang="zh-CN" altLang="en-US" dirty="0"/>
